--- a/Vilhuber-Wasser-Day-of-Data-2021.pptx
+++ b/Vilhuber-Wasser-Day-of-Data-2021.pptx
@@ -243,7 +243,7 @@
           <a:p>
             <a:fld id="{49A8C565-F3BF-4A84-AE07-9A89EABD0C05}" type="datetimeFigureOut">
               <a:rPr lang="en-US" smtClean="0"/>
-              <a:t>2021-01-27</a:t>
+              <a:t>1/28/2021</a:t>
             </a:fld>
             <a:endParaRPr lang="en-US"/>
           </a:p>
@@ -723,7 +723,7 @@
           <a:p>
             <a:fld id="{D098DA53-2AE6-479B-901D-5117A0B269E4}" type="datetimeFigureOut">
               <a:rPr lang="en-US" smtClean="0"/>
-              <a:t>2021-01-27</a:t>
+              <a:t>1/28/2021</a:t>
             </a:fld>
             <a:endParaRPr lang="en-US"/>
           </a:p>
@@ -1072,7 +1072,7 @@
           <a:p>
             <a:fld id="{D098DA53-2AE6-479B-901D-5117A0B269E4}" type="datetimeFigureOut">
               <a:rPr lang="en-US" smtClean="0"/>
-              <a:t>2021-01-27</a:t>
+              <a:t>1/28/2021</a:t>
             </a:fld>
             <a:endParaRPr lang="en-US"/>
           </a:p>
@@ -1324,7 +1324,7 @@
           <a:p>
             <a:fld id="{D098DA53-2AE6-479B-901D-5117A0B269E4}" type="datetimeFigureOut">
               <a:rPr lang="en-US" smtClean="0"/>
-              <a:t>2021-01-27</a:t>
+              <a:t>1/28/2021</a:t>
             </a:fld>
             <a:endParaRPr lang="en-US"/>
           </a:p>
@@ -1492,7 +1492,7 @@
           <a:p>
             <a:fld id="{D098DA53-2AE6-479B-901D-5117A0B269E4}" type="datetimeFigureOut">
               <a:rPr lang="en-US" smtClean="0"/>
-              <a:t>2021-01-27</a:t>
+              <a:t>1/28/2021</a:t>
             </a:fld>
             <a:endParaRPr lang="en-US"/>
           </a:p>
@@ -1670,7 +1670,7 @@
           <a:p>
             <a:fld id="{D098DA53-2AE6-479B-901D-5117A0B269E4}" type="datetimeFigureOut">
               <a:rPr lang="en-US" smtClean="0"/>
-              <a:t>2021-01-27</a:t>
+              <a:t>1/28/2021</a:t>
             </a:fld>
             <a:endParaRPr lang="en-US"/>
           </a:p>
@@ -1873,7 +1873,7 @@
           <a:p>
             <a:fld id="{D098DA53-2AE6-479B-901D-5117A0B269E4}" type="datetimeFigureOut">
               <a:rPr lang="en-US" smtClean="0"/>
-              <a:t>2021-01-27</a:t>
+              <a:t>1/28/2021</a:t>
             </a:fld>
             <a:endParaRPr lang="en-US"/>
           </a:p>
@@ -2069,7 +2069,7 @@
           <a:p>
             <a:fld id="{D098DA53-2AE6-479B-901D-5117A0B269E4}" type="datetimeFigureOut">
               <a:rPr lang="en-US" smtClean="0"/>
-              <a:t>2021-01-27</a:t>
+              <a:t>1/28/2021</a:t>
             </a:fld>
             <a:endParaRPr lang="en-US"/>
           </a:p>
@@ -2331,7 +2331,7 @@
           <a:p>
             <a:fld id="{D098DA53-2AE6-479B-901D-5117A0B269E4}" type="datetimeFigureOut">
               <a:rPr lang="en-US" smtClean="0"/>
-              <a:t>2021-01-27</a:t>
+              <a:t>1/28/2021</a:t>
             </a:fld>
             <a:endParaRPr lang="en-US"/>
           </a:p>
@@ -2650,7 +2650,7 @@
           <a:p>
             <a:fld id="{D098DA53-2AE6-479B-901D-5117A0B269E4}" type="datetimeFigureOut">
               <a:rPr lang="en-US" smtClean="0"/>
-              <a:t>2021-01-27</a:t>
+              <a:t>1/28/2021</a:t>
             </a:fld>
             <a:endParaRPr lang="en-US"/>
           </a:p>
@@ -2958,7 +2958,7 @@
           <a:p>
             <a:fld id="{D098DA53-2AE6-479B-901D-5117A0B269E4}" type="datetimeFigureOut">
               <a:rPr lang="en-US" smtClean="0"/>
-              <a:t>2021-01-27</a:t>
+              <a:t>1/28/2021</a:t>
             </a:fld>
             <a:endParaRPr lang="en-US"/>
           </a:p>
@@ -3396,7 +3396,7 @@
           <a:p>
             <a:fld id="{D098DA53-2AE6-479B-901D-5117A0B269E4}" type="datetimeFigureOut">
               <a:rPr lang="en-US" smtClean="0"/>
-              <a:t>2021-01-27</a:t>
+              <a:t>1/28/2021</a:t>
             </a:fld>
             <a:endParaRPr lang="en-US"/>
           </a:p>
@@ -3587,7 +3587,7 @@
           <a:p>
             <a:fld id="{D098DA53-2AE6-479B-901D-5117A0B269E4}" type="datetimeFigureOut">
               <a:rPr lang="en-US" smtClean="0"/>
-              <a:t>2021-01-27</a:t>
+              <a:t>1/28/2021</a:t>
             </a:fld>
             <a:endParaRPr lang="en-US"/>
           </a:p>
@@ -3682,7 +3682,7 @@
           <a:p>
             <a:fld id="{D098DA53-2AE6-479B-901D-5117A0B269E4}" type="datetimeFigureOut">
               <a:rPr lang="en-US" smtClean="0"/>
-              <a:t>2021-01-27</a:t>
+              <a:t>1/28/2021</a:t>
             </a:fld>
             <a:endParaRPr lang="en-US"/>
           </a:p>
@@ -3893,7 +3893,7 @@
           <a:p>
             <a:fld id="{D098DA53-2AE6-479B-901D-5117A0B269E4}" type="datetimeFigureOut">
               <a:rPr lang="en-US" smtClean="0"/>
-              <a:t>2021-01-27</a:t>
+              <a:t>1/28/2021</a:t>
             </a:fld>
             <a:endParaRPr lang="en-US"/>
           </a:p>
@@ -4324,18 +4324,14 @@
           <a:lstStyle/>
           <a:p>
             <a:r>
-              <a:rPr lang="en-US" dirty="0" smtClean="0"/>
+              <a:rPr lang="en-US" dirty="0"/>
               <a:t>Day of Data</a:t>
             </a:r>
-            <a:r>
-              <a:rPr lang="en-US" dirty="0"/>
-              <a:t/>
-            </a:r>
             <a:br>
               <a:rPr lang="en-US" dirty="0"/>
             </a:br>
             <a:r>
-              <a:rPr lang="en-US" sz="2700" dirty="0" smtClean="0"/>
+              <a:rPr lang="en-US" sz="2700" dirty="0"/>
               <a:t>Working with Restricted Access / Big Data</a:t>
             </a:r>
             <a:endParaRPr lang="en-US" dirty="0"/>
@@ -4366,14 +4362,10 @@
           <a:p>
             <a:r>
               <a:rPr lang="en-US" dirty="0"/>
-              <a:t>Lars </a:t>
-            </a:r>
-            <a:r>
-              <a:rPr lang="en-US" dirty="0" smtClean="0"/>
-              <a:t>Vilhuber and David </a:t>
-            </a:r>
-            <a:r>
-              <a:rPr lang="en-US" dirty="0" err="1" smtClean="0"/>
+              <a:t>Lars Vilhuber and David </a:t>
+            </a:r>
+            <a:r>
+              <a:rPr lang="en-US" dirty="0" err="1"/>
               <a:t>Wasser</a:t>
             </a:r>
             <a:endParaRPr lang="en-US" dirty="0"/>
@@ -4381,11 +4373,7 @@
           <a:p>
             <a:r>
               <a:rPr lang="en-US" dirty="0"/>
-              <a:t>Cornell </a:t>
-            </a:r>
-            <a:r>
-              <a:rPr lang="en-US" dirty="0" smtClean="0"/>
-              <a:t>University</a:t>
+              <a:t>Cornell University</a:t>
             </a:r>
           </a:p>
           <a:p>
@@ -4396,35 +4384,25 @@
               <a:rPr lang="en-US" sz="1600" dirty="0"/>
               <a:t>The opinions expressed in this talk are solely the authors, and do not represent the views of the U.S. Census Bureau, the American Economic Association, or any of the funding agencies. </a:t>
             </a:r>
-            <a:endParaRPr lang="en-US" sz="1600" dirty="0" smtClean="0"/>
-          </a:p>
-          <a:p>
-            <a:r>
-              <a:rPr lang="en-US" sz="1300" dirty="0" smtClean="0"/>
+          </a:p>
+          <a:p>
+            <a:r>
+              <a:rPr lang="en-US" sz="1300" dirty="0"/>
               <a:t>You may, however, find these opinions quite useful.</a:t>
             </a:r>
-            <a:endParaRPr lang="en-US" sz="1300" dirty="0"/>
           </a:p>
           <a:p>
             <a:r>
               <a:rPr lang="en-US" sz="1600" dirty="0"/>
-              <a:t>© Lars </a:t>
-            </a:r>
-            <a:r>
-              <a:rPr lang="en-US" sz="1600" dirty="0" smtClean="0"/>
-              <a:t>Vilhuber, David </a:t>
-            </a:r>
-            <a:r>
-              <a:rPr lang="en-US" sz="1600" dirty="0" err="1" smtClean="0"/>
+              <a:t>© Lars Vilhuber, David </a:t>
+            </a:r>
+            <a:r>
+              <a:rPr lang="en-US" sz="1600" dirty="0" err="1"/>
               <a:t>Wasser</a:t>
             </a:r>
             <a:r>
-              <a:rPr lang="en-US" sz="1600" dirty="0" smtClean="0"/>
-              <a:t>                  </a:t>
-            </a:r>
-            <a:r>
               <a:rPr lang="en-US" sz="1600" dirty="0"/>
-              <a:t>.</a:t>
+              <a:t>                  .</a:t>
             </a:r>
           </a:p>
         </p:txBody>
@@ -4547,13 +4525,6 @@
   <p:clrMapOvr>
     <a:masterClrMapping/>
   </p:clrMapOvr>
-  <p:timing>
-    <p:tnLst>
-      <p:par>
-        <p:cTn id="1" dur="indefinite" restart="never" nodeType="tmRoot"/>
-      </p:par>
-    </p:tnLst>
-  </p:timing>
 </p:sld>
 </file>
 
@@ -4590,10 +4561,9 @@
           <a:lstStyle/>
           <a:p>
             <a:r>
-              <a:rPr lang="en-US" dirty="0" smtClean="0"/>
+              <a:rPr lang="en-US" dirty="0"/>
               <a:t>Ideal setup</a:t>
             </a:r>
-            <a:endParaRPr lang="en-US" dirty="0"/>
           </a:p>
         </p:txBody>
       </p:sp>
@@ -4615,50 +4585,49 @@
           <a:lstStyle/>
           <a:p>
             <a:r>
-              <a:rPr lang="en-US" dirty="0" smtClean="0"/>
+              <a:rPr lang="en-US" dirty="0"/>
               <a:t>1 program to prepare the setup</a:t>
             </a:r>
           </a:p>
           <a:p>
             <a:pPr lvl="1"/>
             <a:r>
-              <a:rPr lang="en-US" dirty="0" smtClean="0"/>
+              <a:rPr lang="en-US" dirty="0"/>
               <a:t>Installs all packages</a:t>
             </a:r>
           </a:p>
           <a:p>
             <a:pPr lvl="1"/>
             <a:r>
-              <a:rPr lang="en-US" dirty="0" smtClean="0"/>
+              <a:rPr lang="en-US" dirty="0"/>
               <a:t>Creates all directories</a:t>
             </a:r>
           </a:p>
           <a:p>
             <a:r>
-              <a:rPr lang="en-US" dirty="0" smtClean="0"/>
+              <a:rPr lang="en-US" dirty="0"/>
               <a:t>1 program (or a very small number) that creates the rest</a:t>
             </a:r>
           </a:p>
           <a:p>
             <a:pPr lvl="1"/>
             <a:r>
-              <a:rPr lang="en-US" dirty="0" smtClean="0"/>
+              <a:rPr lang="en-US" dirty="0"/>
               <a:t>Possibly with macros/ ado files/ subroutines</a:t>
             </a:r>
           </a:p>
           <a:p>
             <a:pPr lvl="1"/>
             <a:r>
-              <a:rPr lang="en-US" dirty="0" smtClean="0"/>
+              <a:rPr lang="en-US" dirty="0"/>
               <a:t>Possibly with parameter files that might differ per directory</a:t>
             </a:r>
           </a:p>
           <a:p>
             <a:r>
-              <a:rPr lang="en-US" dirty="0" smtClean="0"/>
+              <a:rPr lang="en-US" dirty="0"/>
               <a:t>All tables and figures are output programmatically</a:t>
             </a:r>
-            <a:endParaRPr lang="en-US" dirty="0"/>
           </a:p>
         </p:txBody>
       </p:sp>
@@ -4680,7 +4649,7 @@
           <a:lstStyle/>
           <a:p>
             <a:r>
-              <a:rPr lang="en-US" dirty="0" smtClean="0">
+              <a:rPr lang="en-US" dirty="0">
                 <a:solidFill>
                   <a:schemeClr val="accent6">
                     <a:lumMod val="50000"/>
@@ -4693,7 +4662,7 @@
           <a:p>
             <a:pPr lvl="1"/>
             <a:r>
-              <a:rPr lang="en-US" dirty="0" err="1" smtClean="0">
+              <a:rPr lang="en-US" dirty="0" err="1">
                 <a:solidFill>
                   <a:schemeClr val="accent6">
                     <a:lumMod val="50000"/>
@@ -4703,7 +4672,7 @@
               <a:t>Matlab</a:t>
             </a:r>
             <a:r>
-              <a:rPr lang="en-US" dirty="0" smtClean="0">
+              <a:rPr lang="en-US" dirty="0">
                 <a:solidFill>
                   <a:schemeClr val="accent6">
                     <a:lumMod val="50000"/>
@@ -4715,7 +4684,7 @@
           </a:p>
           <a:p>
             <a:r>
-              <a:rPr lang="en-US" dirty="0" smtClean="0">
+              <a:rPr lang="en-US" dirty="0">
                 <a:solidFill>
                   <a:schemeClr val="accent6">
                     <a:lumMod val="50000"/>
@@ -4728,7 +4697,7 @@
           <a:p>
             <a:pPr lvl="1"/>
             <a:r>
-              <a:rPr lang="en-US" dirty="0" smtClean="0">
+              <a:rPr lang="en-US" dirty="0">
                 <a:solidFill>
                   <a:schemeClr val="accent6">
                     <a:lumMod val="50000"/>
@@ -4740,7 +4709,7 @@
           </a:p>
           <a:p>
             <a:r>
-              <a:rPr lang="en-US" dirty="0" smtClean="0">
+              <a:rPr lang="en-US" dirty="0">
                 <a:solidFill>
                   <a:schemeClr val="accent6">
                     <a:lumMod val="50000"/>
@@ -4750,7 +4719,7 @@
               <a:t>Ability to output figures and tables (Excel, </a:t>
             </a:r>
             <a:r>
-              <a:rPr lang="en-US" dirty="0" err="1" smtClean="0">
+              <a:rPr lang="en-US" dirty="0" err="1">
                 <a:solidFill>
                   <a:schemeClr val="accent6">
                     <a:lumMod val="50000"/>
@@ -4760,7 +4729,7 @@
               <a:t>LaTeX</a:t>
             </a:r>
             <a:r>
-              <a:rPr lang="en-US" dirty="0" smtClean="0">
+              <a:rPr lang="en-US" dirty="0">
                 <a:solidFill>
                   <a:schemeClr val="accent6">
                     <a:lumMod val="50000"/>
@@ -4769,13 +4738,6 @@
               </a:rPr>
               <a:t>) exist in all languages</a:t>
             </a:r>
-            <a:endParaRPr lang="en-US" dirty="0">
-              <a:solidFill>
-                <a:schemeClr val="accent6">
-                  <a:lumMod val="50000"/>
-                </a:schemeClr>
-              </a:solidFill>
-            </a:endParaRPr>
           </a:p>
         </p:txBody>
       </p:sp>
@@ -4789,13 +4751,6 @@
   <p:clrMapOvr>
     <a:masterClrMapping/>
   </p:clrMapOvr>
-  <p:timing>
-    <p:tnLst>
-      <p:par>
-        <p:cTn id="1" dur="indefinite" restart="never" nodeType="tmRoot"/>
-      </p:par>
-    </p:tnLst>
-  </p:timing>
 </p:sld>
 </file>
 
@@ -4886,7 +4841,7 @@
           <a:p>
             <a:pPr algn="ctr"/>
             <a:r>
-              <a:rPr lang="en-US" sz="8800" dirty="0" smtClean="0">
+              <a:rPr lang="en-US" sz="8800" dirty="0">
                 <a:solidFill>
                   <a:schemeClr val="bg1"/>
                 </a:solidFill>
@@ -4911,21 +4866,6 @@
   <p:clrMapOvr>
     <a:masterClrMapping/>
   </p:clrMapOvr>
-  <mc:AlternateContent xmlns:mc="http://schemas.openxmlformats.org/markup-compatibility/2006" xmlns:p14="http://schemas.microsoft.com/office/powerpoint/2010/main">
-    <mc:Choice Requires="p14">
-      <p:transition spd="slow" p14:dur="2000"/>
-    </mc:Choice>
-    <mc:Fallback xmlns="">
-      <p:transition spd="slow"/>
-    </mc:Fallback>
-  </mc:AlternateContent>
-  <p:timing>
-    <p:tnLst>
-      <p:par>
-        <p:cTn id="1" dur="indefinite" restart="never" nodeType="tmRoot"/>
-      </p:par>
-    </p:tnLst>
-  </p:timing>
 </p:sld>
 </file>
 
@@ -4962,10 +4902,9 @@
           <a:lstStyle/>
           <a:p>
             <a:r>
-              <a:rPr lang="en-US" dirty="0" smtClean="0"/>
+              <a:rPr lang="en-US" dirty="0"/>
               <a:t>What is different?</a:t>
             </a:r>
-            <a:endParaRPr lang="en-US" dirty="0"/>
           </a:p>
         </p:txBody>
       </p:sp>
@@ -4985,28 +4924,27 @@
           <a:lstStyle/>
           <a:p>
             <a:r>
-              <a:rPr lang="en-US" dirty="0" smtClean="0"/>
+              <a:rPr lang="en-US" dirty="0"/>
               <a:t>Can’t “bring” data to you – have to go to data</a:t>
             </a:r>
           </a:p>
           <a:p>
             <a:r>
-              <a:rPr lang="en-US" dirty="0" smtClean="0"/>
+              <a:rPr lang="en-US" dirty="0"/>
               <a:t>Less control over environment, data stability</a:t>
             </a:r>
           </a:p>
           <a:p>
             <a:r>
-              <a:rPr lang="en-US" dirty="0" smtClean="0"/>
+              <a:rPr lang="en-US" dirty="0"/>
               <a:t>No access to common “open” tools (favorite editor, Stata/R packages)</a:t>
             </a:r>
           </a:p>
           <a:p>
             <a:r>
-              <a:rPr lang="en-US" dirty="0" smtClean="0"/>
+              <a:rPr lang="en-US" dirty="0"/>
               <a:t>Time cost</a:t>
             </a:r>
-            <a:endParaRPr lang="en-US" dirty="0"/>
           </a:p>
         </p:txBody>
       </p:sp>
@@ -5214,13 +5152,6 @@
   <p:clrMapOvr>
     <a:masterClrMapping/>
   </p:clrMapOvr>
-  <p:timing>
-    <p:tnLst>
-      <p:par>
-        <p:cTn id="1" dur="indefinite" restart="never" nodeType="tmRoot"/>
-      </p:par>
-    </p:tnLst>
-  </p:timing>
 </p:sld>
 </file>
 
@@ -5485,18 +5416,13 @@
           <a:p>
             <a:pPr algn="ctr"/>
             <a:r>
-              <a:rPr lang="en-US" dirty="0" smtClean="0">
+              <a:rPr lang="en-US" dirty="0">
                 <a:solidFill>
                   <a:schemeClr val="tx1"/>
                 </a:solidFill>
               </a:rPr>
               <a:t>Original data</a:t>
             </a:r>
-            <a:endParaRPr lang="en-US" dirty="0">
-              <a:solidFill>
-                <a:schemeClr val="tx1"/>
-              </a:solidFill>
-            </a:endParaRPr>
           </a:p>
         </p:txBody>
       </p:sp>
@@ -5540,18 +5466,13 @@
           <a:p>
             <a:pPr algn="ctr"/>
             <a:r>
-              <a:rPr lang="en-US" dirty="0" smtClean="0">
+              <a:rPr lang="en-US" dirty="0">
                 <a:solidFill>
                   <a:schemeClr val="tx1"/>
                 </a:solidFill>
               </a:rPr>
               <a:t>Processed data</a:t>
             </a:r>
-            <a:endParaRPr lang="en-US" dirty="0">
-              <a:solidFill>
-                <a:schemeClr val="tx1"/>
-              </a:solidFill>
-            </a:endParaRPr>
           </a:p>
         </p:txBody>
       </p:sp>
@@ -5595,18 +5516,13 @@
           <a:p>
             <a:pPr algn="ctr"/>
             <a:r>
-              <a:rPr lang="en-US" dirty="0" smtClean="0">
+              <a:rPr lang="en-US" dirty="0">
                 <a:solidFill>
                   <a:schemeClr val="tx1"/>
                 </a:solidFill>
               </a:rPr>
               <a:t>Manuscript</a:t>
             </a:r>
-            <a:endParaRPr lang="en-US" dirty="0">
-              <a:solidFill>
-                <a:schemeClr val="tx1"/>
-              </a:solidFill>
-            </a:endParaRPr>
           </a:p>
         </p:txBody>
       </p:sp>
@@ -5650,18 +5566,13 @@
           <a:p>
             <a:pPr algn="ctr"/>
             <a:r>
-              <a:rPr lang="en-US" dirty="0" smtClean="0">
+              <a:rPr lang="en-US" dirty="0">
                 <a:solidFill>
                   <a:schemeClr val="tx1"/>
                 </a:solidFill>
               </a:rPr>
               <a:t>Code</a:t>
             </a:r>
-            <a:endParaRPr lang="en-US" dirty="0">
-              <a:solidFill>
-                <a:schemeClr val="tx1"/>
-              </a:solidFill>
-            </a:endParaRPr>
           </a:p>
         </p:txBody>
       </p:sp>
@@ -6125,18 +6036,13 @@
             <a:p>
               <a:pPr algn="ctr"/>
               <a:r>
-                <a:rPr lang="en-US" dirty="0" smtClean="0">
+                <a:rPr lang="en-US" dirty="0">
                   <a:solidFill>
                     <a:schemeClr val="tx1"/>
                   </a:solidFill>
                 </a:rPr>
                 <a:t>Original data</a:t>
               </a:r>
-              <a:endParaRPr lang="en-US" dirty="0">
-                <a:solidFill>
-                  <a:schemeClr val="tx1"/>
-                </a:solidFill>
-              </a:endParaRPr>
             </a:p>
           </p:txBody>
         </p:sp>
@@ -6180,18 +6086,13 @@
             <a:p>
               <a:pPr algn="ctr"/>
               <a:r>
-                <a:rPr lang="en-US" dirty="0" smtClean="0">
+                <a:rPr lang="en-US" dirty="0">
                   <a:solidFill>
                     <a:schemeClr val="tx1"/>
                   </a:solidFill>
                 </a:rPr>
                 <a:t>Processed data</a:t>
               </a:r>
-              <a:endParaRPr lang="en-US" dirty="0">
-                <a:solidFill>
-                  <a:schemeClr val="tx1"/>
-                </a:solidFill>
-              </a:endParaRPr>
             </a:p>
           </p:txBody>
         </p:sp>
@@ -6235,18 +6136,13 @@
             <a:p>
               <a:pPr algn="ctr"/>
               <a:r>
-                <a:rPr lang="en-US" dirty="0" smtClean="0">
+                <a:rPr lang="en-US" dirty="0">
                   <a:solidFill>
                     <a:schemeClr val="tx1"/>
                   </a:solidFill>
                 </a:rPr>
                 <a:t>Manuscript</a:t>
               </a:r>
-              <a:endParaRPr lang="en-US" dirty="0">
-                <a:solidFill>
-                  <a:schemeClr val="tx1"/>
-                </a:solidFill>
-              </a:endParaRPr>
             </a:p>
           </p:txBody>
         </p:sp>
@@ -6290,18 +6186,13 @@
             <a:p>
               <a:pPr algn="ctr"/>
               <a:r>
-                <a:rPr lang="en-US" dirty="0" smtClean="0">
+                <a:rPr lang="en-US" dirty="0">
                   <a:solidFill>
                     <a:schemeClr val="tx1"/>
                   </a:solidFill>
                 </a:rPr>
                 <a:t>Code</a:t>
               </a:r>
-              <a:endParaRPr lang="en-US" dirty="0">
-                <a:solidFill>
-                  <a:schemeClr val="tx1"/>
-                </a:solidFill>
-              </a:endParaRPr>
             </a:p>
           </p:txBody>
         </p:sp>
@@ -6522,18 +6413,13 @@
             <a:p>
               <a:pPr algn="ctr"/>
               <a:r>
-                <a:rPr lang="en-US" dirty="0" smtClean="0">
+                <a:rPr lang="en-US" dirty="0">
                   <a:solidFill>
                     <a:schemeClr val="tx1"/>
                   </a:solidFill>
                 </a:rPr>
                 <a:t>Original data</a:t>
               </a:r>
-              <a:endParaRPr lang="en-US" dirty="0">
-                <a:solidFill>
-                  <a:schemeClr val="tx1"/>
-                </a:solidFill>
-              </a:endParaRPr>
             </a:p>
           </p:txBody>
         </p:sp>
@@ -6577,18 +6463,13 @@
             <a:p>
               <a:pPr algn="ctr"/>
               <a:r>
-                <a:rPr lang="en-US" dirty="0" smtClean="0">
+                <a:rPr lang="en-US" dirty="0">
                   <a:solidFill>
                     <a:schemeClr val="tx1"/>
                   </a:solidFill>
                 </a:rPr>
                 <a:t>Processed data</a:t>
               </a:r>
-              <a:endParaRPr lang="en-US" dirty="0">
-                <a:solidFill>
-                  <a:schemeClr val="tx1"/>
-                </a:solidFill>
-              </a:endParaRPr>
             </a:p>
           </p:txBody>
         </p:sp>
@@ -6632,18 +6513,13 @@
             <a:p>
               <a:pPr algn="ctr"/>
               <a:r>
-                <a:rPr lang="en-US" dirty="0" smtClean="0">
+                <a:rPr lang="en-US" dirty="0">
                   <a:solidFill>
                     <a:schemeClr val="tx1"/>
                   </a:solidFill>
                 </a:rPr>
                 <a:t>Manuscript</a:t>
               </a:r>
-              <a:endParaRPr lang="en-US" dirty="0">
-                <a:solidFill>
-                  <a:schemeClr val="tx1"/>
-                </a:solidFill>
-              </a:endParaRPr>
             </a:p>
           </p:txBody>
         </p:sp>
@@ -6687,18 +6563,13 @@
             <a:p>
               <a:pPr algn="ctr"/>
               <a:r>
-                <a:rPr lang="en-US" dirty="0" smtClean="0">
+                <a:rPr lang="en-US" dirty="0">
                   <a:solidFill>
                     <a:schemeClr val="tx1"/>
                   </a:solidFill>
                 </a:rPr>
                 <a:t>Code</a:t>
               </a:r>
-              <a:endParaRPr lang="en-US" dirty="0">
-                <a:solidFill>
-                  <a:schemeClr val="tx1"/>
-                </a:solidFill>
-              </a:endParaRPr>
             </a:p>
           </p:txBody>
         </p:sp>
@@ -6713,13 +6584,6 @@
   <p:clrMapOvr>
     <a:masterClrMapping/>
   </p:clrMapOvr>
-  <p:timing>
-    <p:tnLst>
-      <p:par>
-        <p:cTn id="1" dur="indefinite" restart="never" nodeType="tmRoot"/>
-      </p:par>
-    </p:tnLst>
-  </p:timing>
 </p:sld>
 </file>
 
@@ -6783,7 +6647,7 @@
           <a:p>
             <a:pPr algn="ctr"/>
             <a:r>
-              <a:rPr lang="en-US" dirty="0" smtClean="0">
+              <a:rPr lang="en-US" dirty="0">
                 <a:solidFill>
                   <a:schemeClr val="tx1"/>
                 </a:solidFill>
@@ -6801,7 +6665,7 @@
           </a:p>
           <a:p>
             <a:pPr algn="ctr"/>
-            <a:endParaRPr lang="en-US" dirty="0" smtClean="0">
+            <a:endParaRPr lang="en-US" dirty="0">
               <a:solidFill>
                 <a:schemeClr val="tx1"/>
               </a:solidFill>
@@ -6857,7 +6721,7 @@
           <a:p>
             <a:pPr algn="ctr"/>
             <a:r>
-              <a:rPr lang="en-US" dirty="0" smtClean="0"/>
+              <a:rPr lang="en-US" dirty="0"/>
               <a:t>Immutable</a:t>
             </a:r>
           </a:p>
@@ -6867,7 +6731,7 @@
           </a:p>
           <a:p>
             <a:pPr algn="ctr"/>
-            <a:endParaRPr lang="en-US" dirty="0" smtClean="0"/>
+            <a:endParaRPr lang="en-US" dirty="0"/>
           </a:p>
           <a:p>
             <a:pPr algn="ctr"/>
@@ -6875,7 +6739,7 @@
           </a:p>
           <a:p>
             <a:pPr algn="ctr"/>
-            <a:endParaRPr lang="en-US" dirty="0" smtClean="0"/>
+            <a:endParaRPr lang="en-US" dirty="0"/>
           </a:p>
           <a:p>
             <a:pPr algn="ctr"/>
@@ -6900,13 +6764,8 @@
           <a:p>
             <a:r>
               <a:rPr lang="en-US" dirty="0"/>
-              <a:t>Basic project </a:t>
-            </a:r>
-            <a:r>
-              <a:rPr lang="en-US" dirty="0" smtClean="0"/>
-              <a:t>setup: restricted data</a:t>
-            </a:r>
-            <a:endParaRPr lang="en-US" dirty="0"/>
+              <a:t>Basic project setup: restricted data</a:t>
+            </a:r>
           </a:p>
         </p:txBody>
       </p:sp>
@@ -6990,18 +6849,13 @@
           <a:p>
             <a:pPr algn="ctr"/>
             <a:r>
-              <a:rPr lang="en-US" dirty="0" smtClean="0">
+              <a:rPr lang="en-US" dirty="0">
                 <a:solidFill>
                   <a:schemeClr val="tx1"/>
                 </a:solidFill>
               </a:rPr>
               <a:t>Original data</a:t>
             </a:r>
-            <a:endParaRPr lang="en-US" dirty="0">
-              <a:solidFill>
-                <a:schemeClr val="tx1"/>
-              </a:solidFill>
-            </a:endParaRPr>
           </a:p>
         </p:txBody>
       </p:sp>
@@ -7045,18 +6899,13 @@
           <a:p>
             <a:pPr algn="ctr"/>
             <a:r>
-              <a:rPr lang="en-US" dirty="0" smtClean="0">
+              <a:rPr lang="en-US" dirty="0">
                 <a:solidFill>
                   <a:schemeClr val="tx1"/>
                 </a:solidFill>
               </a:rPr>
               <a:t>Processed data</a:t>
             </a:r>
-            <a:endParaRPr lang="en-US" dirty="0">
-              <a:solidFill>
-                <a:schemeClr val="tx1"/>
-              </a:solidFill>
-            </a:endParaRPr>
           </a:p>
         </p:txBody>
       </p:sp>
@@ -7100,18 +6949,13 @@
           <a:p>
             <a:pPr algn="ctr"/>
             <a:r>
-              <a:rPr lang="en-US" dirty="0" smtClean="0">
+              <a:rPr lang="en-US" dirty="0">
                 <a:solidFill>
                   <a:schemeClr val="tx1"/>
                 </a:solidFill>
               </a:rPr>
               <a:t>Manuscript</a:t>
             </a:r>
-            <a:endParaRPr lang="en-US" dirty="0">
-              <a:solidFill>
-                <a:schemeClr val="tx1"/>
-              </a:solidFill>
-            </a:endParaRPr>
           </a:p>
         </p:txBody>
       </p:sp>
@@ -7155,18 +6999,13 @@
           <a:p>
             <a:pPr algn="ctr"/>
             <a:r>
-              <a:rPr lang="en-US" dirty="0" smtClean="0">
+              <a:rPr lang="en-US" dirty="0">
                 <a:solidFill>
                   <a:schemeClr val="tx1"/>
                 </a:solidFill>
               </a:rPr>
               <a:t>Code</a:t>
             </a:r>
-            <a:endParaRPr lang="en-US" dirty="0">
-              <a:solidFill>
-                <a:schemeClr val="tx1"/>
-              </a:solidFill>
-            </a:endParaRPr>
           </a:p>
         </p:txBody>
       </p:sp>
@@ -7338,7 +7177,7 @@
           <a:p>
             <a:pPr algn="ctr"/>
             <a:r>
-              <a:rPr lang="en-US" dirty="0" smtClean="0">
+              <a:rPr lang="en-US" dirty="0">
                 <a:solidFill>
                   <a:schemeClr val="tx1"/>
                 </a:solidFill>
@@ -7356,7 +7195,7 @@
           </a:p>
           <a:p>
             <a:pPr algn="ctr"/>
-            <a:endParaRPr lang="en-US" dirty="0" smtClean="0">
+            <a:endParaRPr lang="en-US" dirty="0">
               <a:solidFill>
                 <a:schemeClr val="tx1"/>
               </a:solidFill>
@@ -7412,7 +7251,7 @@
           <a:p>
             <a:pPr algn="ctr"/>
             <a:r>
-              <a:rPr lang="en-US" dirty="0" smtClean="0"/>
+              <a:rPr lang="en-US" dirty="0"/>
               <a:t>Immutable</a:t>
             </a:r>
           </a:p>
@@ -7422,7 +7261,7 @@
           </a:p>
           <a:p>
             <a:pPr algn="ctr"/>
-            <a:endParaRPr lang="en-US" dirty="0" smtClean="0"/>
+            <a:endParaRPr lang="en-US" dirty="0"/>
           </a:p>
           <a:p>
             <a:pPr algn="ctr"/>
@@ -7430,7 +7269,7 @@
           </a:p>
           <a:p>
             <a:pPr algn="ctr"/>
-            <a:endParaRPr lang="en-US" dirty="0" smtClean="0"/>
+            <a:endParaRPr lang="en-US" dirty="0"/>
           </a:p>
           <a:p>
             <a:pPr algn="ctr"/>
@@ -7455,13 +7294,8 @@
           <a:p>
             <a:r>
               <a:rPr lang="en-US" dirty="0"/>
-              <a:t>Basic project </a:t>
-            </a:r>
-            <a:r>
-              <a:rPr lang="en-US" dirty="0" smtClean="0"/>
-              <a:t>setup: big data</a:t>
-            </a:r>
-            <a:endParaRPr lang="en-US" dirty="0"/>
+              <a:t>Basic project setup: big data</a:t>
+            </a:r>
           </a:p>
         </p:txBody>
       </p:sp>
@@ -7502,14 +7336,14 @@
           <a:p>
             <a:pPr algn="ctr"/>
             <a:r>
-              <a:rPr lang="en-US" dirty="0" smtClean="0"/>
+              <a:rPr lang="en-US" dirty="0"/>
               <a:t>Big computer</a:t>
             </a:r>
             <a:br>
-              <a:rPr lang="en-US" dirty="0" smtClean="0"/>
+              <a:rPr lang="en-US" dirty="0"/>
             </a:br>
             <a:r>
-              <a:rPr lang="en-US" dirty="0" smtClean="0"/>
+              <a:rPr lang="en-US" dirty="0"/>
               <a:t>(in the cloud)</a:t>
             </a:r>
           </a:p>
@@ -7519,7 +7353,7 @@
           </a:p>
           <a:p>
             <a:pPr algn="ctr"/>
-            <a:endParaRPr lang="en-US" dirty="0" smtClean="0"/>
+            <a:endParaRPr lang="en-US" dirty="0"/>
           </a:p>
           <a:p>
             <a:pPr algn="ctr"/>
@@ -7527,7 +7361,7 @@
           </a:p>
           <a:p>
             <a:pPr algn="ctr"/>
-            <a:endParaRPr lang="en-US" dirty="0" smtClean="0"/>
+            <a:endParaRPr lang="en-US" dirty="0"/>
           </a:p>
           <a:p>
             <a:pPr algn="ctr"/>
@@ -7535,7 +7369,7 @@
           </a:p>
           <a:p>
             <a:pPr algn="ctr"/>
-            <a:endParaRPr lang="en-US" dirty="0" smtClean="0"/>
+            <a:endParaRPr lang="en-US" dirty="0"/>
           </a:p>
           <a:p>
             <a:pPr algn="ctr"/>
@@ -7583,18 +7417,13 @@
           <a:p>
             <a:pPr algn="ctr"/>
             <a:r>
-              <a:rPr lang="en-US" dirty="0" smtClean="0">
+              <a:rPr lang="en-US" dirty="0">
                 <a:solidFill>
                   <a:schemeClr val="tx1"/>
                 </a:solidFill>
               </a:rPr>
               <a:t>Original data</a:t>
             </a:r>
-            <a:endParaRPr lang="en-US" dirty="0">
-              <a:solidFill>
-                <a:schemeClr val="tx1"/>
-              </a:solidFill>
-            </a:endParaRPr>
           </a:p>
         </p:txBody>
       </p:sp>
@@ -7638,18 +7467,13 @@
           <a:p>
             <a:pPr algn="ctr"/>
             <a:r>
-              <a:rPr lang="en-US" dirty="0" smtClean="0">
+              <a:rPr lang="en-US" dirty="0">
                 <a:solidFill>
                   <a:schemeClr val="tx1"/>
                 </a:solidFill>
               </a:rPr>
               <a:t>Processed data</a:t>
             </a:r>
-            <a:endParaRPr lang="en-US" dirty="0">
-              <a:solidFill>
-                <a:schemeClr val="tx1"/>
-              </a:solidFill>
-            </a:endParaRPr>
           </a:p>
         </p:txBody>
       </p:sp>
@@ -7693,18 +7517,13 @@
           <a:p>
             <a:pPr algn="ctr"/>
             <a:r>
-              <a:rPr lang="en-US" dirty="0" smtClean="0">
+              <a:rPr lang="en-US" dirty="0">
                 <a:solidFill>
                   <a:schemeClr val="tx1"/>
                 </a:solidFill>
               </a:rPr>
               <a:t>Manuscript</a:t>
             </a:r>
-            <a:endParaRPr lang="en-US" dirty="0">
-              <a:solidFill>
-                <a:schemeClr val="tx1"/>
-              </a:solidFill>
-            </a:endParaRPr>
           </a:p>
         </p:txBody>
       </p:sp>
@@ -7748,18 +7567,13 @@
           <a:p>
             <a:pPr algn="ctr"/>
             <a:r>
-              <a:rPr lang="en-US" dirty="0" smtClean="0">
+              <a:rPr lang="en-US" dirty="0">
                 <a:solidFill>
                   <a:schemeClr val="tx1"/>
                 </a:solidFill>
               </a:rPr>
               <a:t>Code</a:t>
             </a:r>
-            <a:endParaRPr lang="en-US" dirty="0">
-              <a:solidFill>
-                <a:schemeClr val="tx1"/>
-              </a:solidFill>
-            </a:endParaRPr>
           </a:p>
         </p:txBody>
       </p:sp>
@@ -7875,18 +7689,13 @@
           <a:p>
             <a:pPr algn="ctr"/>
             <a:r>
-              <a:rPr lang="en-US" dirty="0" smtClean="0">
+              <a:rPr lang="en-US" dirty="0">
                 <a:solidFill>
                   <a:schemeClr val="tx1"/>
                 </a:solidFill>
               </a:rPr>
               <a:t>API</a:t>
             </a:r>
-            <a:endParaRPr lang="en-US" dirty="0">
-              <a:solidFill>
-                <a:schemeClr val="tx1"/>
-              </a:solidFill>
-            </a:endParaRPr>
           </a:p>
         </p:txBody>
       </p:sp>
@@ -8013,13 +7822,6 @@
   <p:clrMapOvr>
     <a:masterClrMapping/>
   </p:clrMapOvr>
-  <p:timing>
-    <p:tnLst>
-      <p:par>
-        <p:cTn id="1" dur="indefinite" restart="never" nodeType="tmRoot"/>
-      </p:par>
-    </p:tnLst>
-  </p:timing>
 </p:sld>
 </file>
 
@@ -8110,7 +7912,7 @@
           <a:p>
             <a:pPr algn="ctr"/>
             <a:r>
-              <a:rPr lang="en-US" sz="8800" dirty="0" smtClean="0">
+              <a:rPr lang="en-US" sz="8800" dirty="0">
                 <a:solidFill>
                   <a:schemeClr val="bg1"/>
                 </a:solidFill>
@@ -8135,21 +7937,6 @@
   <p:clrMapOvr>
     <a:masterClrMapping/>
   </p:clrMapOvr>
-  <mc:AlternateContent xmlns:mc="http://schemas.openxmlformats.org/markup-compatibility/2006" xmlns:p14="http://schemas.microsoft.com/office/powerpoint/2010/main">
-    <mc:Choice Requires="p14">
-      <p:transition spd="slow" p14:dur="2000"/>
-    </mc:Choice>
-    <mc:Fallback xmlns="">
-      <p:transition spd="slow"/>
-    </mc:Fallback>
-  </mc:AlternateContent>
-  <p:timing>
-    <p:tnLst>
-      <p:par>
-        <p:cTn id="1" dur="indefinite" restart="never" nodeType="tmRoot"/>
-      </p:par>
-    </p:tnLst>
-  </p:timing>
 </p:sld>
 </file>
 
@@ -8186,10 +7973,9 @@
           <a:lstStyle/>
           <a:p>
             <a:r>
-              <a:rPr lang="en-US" dirty="0" smtClean="0"/>
+              <a:rPr lang="en-US" dirty="0"/>
               <a:t>Plan for the workshop</a:t>
             </a:r>
-            <a:endParaRPr lang="en-US" dirty="0"/>
           </a:p>
         </p:txBody>
       </p:sp>
@@ -8211,36 +7997,36 @@
           <a:lstStyle/>
           <a:p>
             <a:r>
-              <a:rPr lang="en-US" dirty="0" smtClean="0"/>
+              <a:rPr lang="en-US" dirty="0"/>
               <a:t>Generic best practice (2min) [LARS]</a:t>
             </a:r>
           </a:p>
           <a:p>
             <a:r>
-              <a:rPr lang="en-US" dirty="0" smtClean="0"/>
+              <a:rPr lang="en-US" dirty="0"/>
               <a:t>Why that applies to restricted and big data, why is that reproducibility [LARS, DAVID]</a:t>
             </a:r>
           </a:p>
           <a:p>
             <a:r>
-              <a:rPr lang="en-US" dirty="0" smtClean="0"/>
+              <a:rPr lang="en-US" dirty="0"/>
               <a:t>Example: Danish data (restricted) [DAVID]</a:t>
             </a:r>
           </a:p>
           <a:p>
             <a:r>
-              <a:rPr lang="en-US" dirty="0" smtClean="0"/>
+              <a:rPr lang="en-US" dirty="0"/>
               <a:t>Example: FSRDC (restricted + big) [LARS]</a:t>
             </a:r>
           </a:p>
           <a:p>
             <a:r>
-              <a:rPr lang="en-US" dirty="0" smtClean="0"/>
+              <a:rPr lang="en-US" dirty="0"/>
               <a:t>Example: “Large data” (API, “big”) [LARS] </a:t>
             </a:r>
           </a:p>
           <a:p>
-            <a:endParaRPr lang="en-US" dirty="0" smtClean="0"/>
+            <a:endParaRPr lang="en-US" dirty="0"/>
           </a:p>
           <a:p>
             <a:endParaRPr lang="en-US" dirty="0"/>
@@ -8293,10 +8079,9 @@
           <a:lstStyle/>
           <a:p>
             <a:r>
-              <a:rPr lang="en-US" dirty="0" smtClean="0"/>
+              <a:rPr lang="en-US" dirty="0"/>
               <a:t>Documenting how you got to the data</a:t>
             </a:r>
-            <a:endParaRPr lang="en-US" dirty="0"/>
           </a:p>
         </p:txBody>
       </p:sp>
@@ -8318,11 +8103,11 @@
           <a:lstStyle/>
           <a:p>
             <a:r>
-              <a:rPr lang="en-US" dirty="0" smtClean="0"/>
+              <a:rPr lang="en-US" dirty="0"/>
               <a:t>Access can be </a:t>
             </a:r>
             <a:r>
-              <a:rPr lang="en-US" b="1" dirty="0" smtClean="0">
+              <a:rPr lang="en-US" b="1" dirty="0">
                 <a:solidFill>
                   <a:schemeClr val="accent5"/>
                 </a:solidFill>
@@ -8332,11 +8117,11 @@
           </a:p>
           <a:p>
             <a:r>
-              <a:rPr lang="en-US" dirty="0" smtClean="0"/>
+              <a:rPr lang="en-US" dirty="0"/>
               <a:t>Is </a:t>
             </a:r>
             <a:r>
-              <a:rPr lang="en-US" b="1" dirty="0" smtClean="0">
+              <a:rPr lang="en-US" b="1" dirty="0">
                 <a:solidFill>
                   <a:schemeClr val="accent6"/>
                 </a:solidFill>
@@ -8346,7 +8131,7 @@
           </a:p>
           <a:p>
             <a:r>
-              <a:rPr lang="en-US" dirty="0" smtClean="0">
+              <a:rPr lang="en-US" dirty="0">
                 <a:solidFill>
                   <a:srgbClr val="FF0000"/>
                 </a:solidFill>
@@ -8359,35 +8144,35 @@
               <a:buNone/>
             </a:pPr>
             <a:r>
-              <a:rPr lang="en-US" dirty="0" smtClean="0"/>
+              <a:rPr lang="en-US" dirty="0"/>
               <a:t>(example taken from </a:t>
             </a:r>
             <a:r>
-              <a:rPr lang="en-US" dirty="0" smtClean="0">
+              <a:rPr lang="en-US" dirty="0">
                 <a:hlinkClick r:id="rId2"/>
               </a:rPr>
               <a:t>Fort, </a:t>
             </a:r>
             <a:r>
-              <a:rPr lang="en-US" dirty="0" err="1" smtClean="0">
+              <a:rPr lang="en-US" dirty="0" err="1">
                 <a:hlinkClick r:id="rId2"/>
               </a:rPr>
               <a:t>Restud</a:t>
             </a:r>
             <a:r>
-              <a:rPr lang="en-US" dirty="0" smtClean="0">
+              <a:rPr lang="en-US" dirty="0">
                 <a:hlinkClick r:id="rId2"/>
               </a:rPr>
               <a:t> 2016</a:t>
             </a:r>
             <a:r>
-              <a:rPr lang="en-US" dirty="0" smtClean="0"/>
+              <a:rPr lang="en-US" dirty="0"/>
               <a:t>)</a:t>
             </a:r>
           </a:p>
           <a:p>
             <a:r>
-              <a:rPr lang="en-US" sz="1800" dirty="0" smtClean="0">
+              <a:rPr lang="en-US" sz="1800" dirty="0">
                 <a:solidFill>
                   <a:schemeClr val="bg2">
                     <a:lumMod val="50000"/>
@@ -8396,13 +8181,6 @@
               </a:rPr>
               <a:t>NOTE: for AEA, you are required to provide all programs, but a copy may/should be available within the FSRDC as well.</a:t>
             </a:r>
-            <a:endParaRPr lang="en-US" sz="1800" dirty="0">
-              <a:solidFill>
-                <a:schemeClr val="bg2">
-                  <a:lumMod val="50000"/>
-                </a:schemeClr>
-              </a:solidFill>
-            </a:endParaRPr>
           </a:p>
         </p:txBody>
       </p:sp>
@@ -8458,19 +8236,12 @@
               <a:rPr lang="en-US" dirty="0">
                 <a:hlinkClick r:id="rId4"/>
               </a:rPr>
-              <a:t>https://</a:t>
-            </a:r>
-            <a:r>
-              <a:rPr lang="en-US" dirty="0" smtClean="0">
-                <a:hlinkClick r:id="rId4"/>
-              </a:rPr>
-              <a:t>social-science-data-editors.github.io/guidance/DCAS_Restricted_data.html#us-census-bureau-and-fsrdc</a:t>
-            </a:r>
-            <a:r>
-              <a:rPr lang="en-US" dirty="0" smtClean="0"/>
+              <a:t>https://social-science-data-editors.github.io/guidance/DCAS_Restricted_data.html#us-census-bureau-and-fsrdc</a:t>
+            </a:r>
+            <a:r>
+              <a:rPr lang="en-US" dirty="0"/>
               <a:t> </a:t>
             </a:r>
-            <a:endParaRPr lang="en-US" dirty="0"/>
           </a:p>
         </p:txBody>
       </p:sp>
@@ -8622,13 +8393,6 @@
   <p:clrMapOvr>
     <a:masterClrMapping/>
   </p:clrMapOvr>
-  <p:timing>
-    <p:tnLst>
-      <p:par>
-        <p:cTn id="1" dur="indefinite" restart="never" nodeType="tmRoot"/>
-      </p:par>
-    </p:tnLst>
-  </p:timing>
 </p:sld>
 </file>
 
@@ -8665,10 +8429,9 @@
           <a:lstStyle/>
           <a:p>
             <a:r>
-              <a:rPr lang="en-US" dirty="0" smtClean="0"/>
+              <a:rPr lang="en-US" dirty="0"/>
               <a:t>How did you get the data in first place?</a:t>
             </a:r>
-            <a:endParaRPr lang="en-US" dirty="0"/>
           </a:p>
         </p:txBody>
       </p:sp>
@@ -8690,72 +8453,72 @@
           <a:lstStyle/>
           <a:p>
             <a:r>
-              <a:rPr lang="en-US" dirty="0" smtClean="0"/>
+              <a:rPr lang="en-US" dirty="0"/>
               <a:t>You </a:t>
             </a:r>
             <a:r>
-              <a:rPr lang="en-US" b="1" dirty="0" smtClean="0"/>
+              <a:rPr lang="en-US" b="1" dirty="0"/>
               <a:t>applied</a:t>
             </a:r>
             <a:r>
-              <a:rPr lang="en-US" dirty="0" smtClean="0"/>
+              <a:rPr lang="en-US" dirty="0"/>
               <a:t> for the data </a:t>
             </a:r>
             <a:br>
-              <a:rPr lang="en-US" dirty="0" smtClean="0"/>
+              <a:rPr lang="en-US" dirty="0"/>
             </a:br>
             <a:r>
-              <a:rPr lang="en-US" b="1" dirty="0" smtClean="0"/>
+              <a:rPr lang="en-US" b="1" dirty="0"/>
               <a:t>through a process</a:t>
             </a:r>
           </a:p>
           <a:p>
             <a:r>
-              <a:rPr lang="en-US" dirty="0" smtClean="0"/>
+              <a:rPr lang="en-US" dirty="0"/>
               <a:t>You </a:t>
             </a:r>
             <a:r>
-              <a:rPr lang="en-US" b="1" dirty="0" smtClean="0"/>
+              <a:rPr lang="en-US" b="1" dirty="0"/>
               <a:t>purchased</a:t>
             </a:r>
             <a:r>
-              <a:rPr lang="en-US" dirty="0" smtClean="0"/>
+              <a:rPr lang="en-US" dirty="0"/>
               <a:t> the data from a provider</a:t>
             </a:r>
           </a:p>
           <a:p>
             <a:r>
-              <a:rPr lang="en-US" dirty="0" smtClean="0"/>
+              <a:rPr lang="en-US" dirty="0"/>
               <a:t>You signed an </a:t>
             </a:r>
             <a:r>
-              <a:rPr lang="en-US" b="1" dirty="0" smtClean="0"/>
+              <a:rPr lang="en-US" b="1" dirty="0"/>
               <a:t>Non-Disclosure Agreement (NDA) </a:t>
             </a:r>
             <a:r>
-              <a:rPr lang="en-US" dirty="0" smtClean="0"/>
+              <a:rPr lang="en-US" dirty="0"/>
               <a:t>with a company</a:t>
             </a:r>
           </a:p>
           <a:p>
             <a:r>
-              <a:rPr lang="en-US" dirty="0" smtClean="0"/>
+              <a:rPr lang="en-US" dirty="0"/>
               <a:t>Your </a:t>
             </a:r>
             <a:r>
-              <a:rPr lang="en-US" b="1" dirty="0" smtClean="0"/>
+              <a:rPr lang="en-US" b="1" dirty="0"/>
               <a:t>university</a:t>
             </a:r>
             <a:r>
-              <a:rPr lang="en-US" dirty="0" smtClean="0"/>
+              <a:rPr lang="en-US" dirty="0"/>
               <a:t> has an </a:t>
             </a:r>
             <a:r>
-              <a:rPr lang="en-US" b="1" dirty="0" smtClean="0"/>
+              <a:rPr lang="en-US" b="1" dirty="0"/>
               <a:t>agreement</a:t>
             </a:r>
             <a:r>
-              <a:rPr lang="en-US" dirty="0" smtClean="0"/>
+              <a:rPr lang="en-US" dirty="0"/>
               <a:t> with a data provider</a:t>
             </a:r>
           </a:p>
@@ -8764,10 +8527,9 @@
               <a:buNone/>
             </a:pPr>
             <a:r>
-              <a:rPr lang="en-US" dirty="0" smtClean="0"/>
+              <a:rPr lang="en-US" dirty="0"/>
               <a:t>…</a:t>
             </a:r>
-            <a:endParaRPr lang="en-US" dirty="0"/>
           </a:p>
         </p:txBody>
       </p:sp>
@@ -9124,10 +8886,9 @@
           <a:lstStyle/>
           <a:p>
             <a:r>
-              <a:rPr lang="en-US" dirty="0" smtClean="0"/>
+              <a:rPr lang="en-US" dirty="0"/>
               <a:t>You must have described the data</a:t>
             </a:r>
-            <a:endParaRPr lang="en-US" dirty="0"/>
           </a:p>
         </p:txBody>
       </p:sp>
@@ -9147,15 +8908,15 @@
           <a:lstStyle/>
           <a:p>
             <a:r>
-              <a:rPr lang="en-US" dirty="0" smtClean="0"/>
+              <a:rPr lang="en-US" dirty="0"/>
               <a:t>You must have </a:t>
             </a:r>
             <a:r>
-              <a:rPr lang="en-US" b="1" u="sng" dirty="0" smtClean="0"/>
+              <a:rPr lang="en-US" b="1" u="sng" dirty="0"/>
               <a:t>named</a:t>
             </a:r>
             <a:r>
-              <a:rPr lang="en-US" dirty="0" smtClean="0"/>
+              <a:rPr lang="en-US" dirty="0"/>
               <a:t> the dataset you wanted</a:t>
             </a:r>
           </a:p>
@@ -9174,41 +8935,37 @@
             </a:r>
             <a:r>
               <a:rPr lang="en-US" b="1" u="sng" dirty="0"/>
-              <a:t>online query </a:t>
-            </a:r>
-            <a:r>
-              <a:rPr lang="en-US" b="1" u="sng" dirty="0" smtClean="0"/>
-              <a:t>system</a:t>
-            </a:r>
-          </a:p>
-          <a:p>
-            <a:r>
-              <a:rPr lang="en-US" dirty="0" smtClean="0"/>
+              <a:t>online query system</a:t>
+            </a:r>
+          </a:p>
+          <a:p>
+            <a:r>
+              <a:rPr lang="en-US" dirty="0"/>
               <a:t>You </a:t>
             </a:r>
             <a:r>
-              <a:rPr lang="en-US" b="1" u="sng" dirty="0" smtClean="0"/>
+              <a:rPr lang="en-US" b="1" u="sng" dirty="0"/>
               <a:t>specified the extract </a:t>
             </a:r>
             <a:r>
-              <a:rPr lang="en-US" dirty="0" smtClean="0"/>
+              <a:rPr lang="en-US" dirty="0"/>
               <a:t>from a company database </a:t>
             </a:r>
             <a:br>
-              <a:rPr lang="en-US" dirty="0" smtClean="0"/>
+              <a:rPr lang="en-US" dirty="0"/>
             </a:br>
             <a:r>
-              <a:rPr lang="en-US" dirty="0" smtClean="0"/>
+              <a:rPr lang="en-US" dirty="0"/>
               <a:t>(in words, in SQL, etc.)</a:t>
             </a:r>
-            <a:endParaRPr lang="en-US" b="1" u="sng" dirty="0" smtClean="0"/>
+            <a:endParaRPr lang="en-US" b="1" u="sng" dirty="0"/>
           </a:p>
           <a:p>
             <a:pPr marL="0" indent="0" algn="ctr">
               <a:buNone/>
             </a:pPr>
             <a:r>
-              <a:rPr lang="en-US" dirty="0" smtClean="0"/>
+              <a:rPr lang="en-US" dirty="0"/>
               <a:t>…</a:t>
             </a:r>
           </a:p>
@@ -9594,17 +9351,7 @@
                   </a:schemeClr>
                 </a:solidFill>
               </a:rPr>
-              <a:t>How do you document data </a:t>
-            </a:r>
-            <a:r>
-              <a:rPr lang="en-US" b="1" dirty="0" smtClean="0">
-                <a:solidFill>
-                  <a:schemeClr val="accent6">
-                    <a:lumMod val="75000"/>
-                  </a:schemeClr>
-                </a:solidFill>
-              </a:rPr>
-              <a:t>provenance?</a:t>
+              <a:t>How do you document data provenance?</a:t>
             </a:r>
             <a:endParaRPr lang="en-US" dirty="0"/>
           </a:p>
@@ -9626,64 +9373,60 @@
           <a:lstStyle/>
           <a:p>
             <a:r>
-              <a:rPr lang="en-US" dirty="0" smtClean="0"/>
+              <a:rPr lang="en-US" dirty="0"/>
               <a:t>What do you need to request?</a:t>
             </a:r>
           </a:p>
           <a:p>
             <a:pPr lvl="1"/>
             <a:r>
-              <a:rPr lang="en-US" dirty="0" smtClean="0"/>
+              <a:rPr lang="en-US" dirty="0"/>
               <a:t>Name, specification, DOI, etc.</a:t>
             </a:r>
           </a:p>
           <a:p>
             <a:r>
-              <a:rPr lang="en-US" dirty="0" smtClean="0"/>
+              <a:rPr lang="en-US" dirty="0"/>
               <a:t>Where do you need to request it?</a:t>
             </a:r>
           </a:p>
           <a:p>
             <a:pPr lvl="1"/>
             <a:r>
-              <a:rPr lang="en-US" dirty="0" smtClean="0"/>
+              <a:rPr lang="en-US" dirty="0"/>
               <a:t>Website, your local CRDCN, a Freedom of Information Act officer, etc.</a:t>
             </a:r>
           </a:p>
           <a:p>
             <a:r>
               <a:rPr lang="en-US" dirty="0"/>
-              <a:t> </a:t>
-            </a:r>
-            <a:r>
-              <a:rPr lang="en-US" dirty="0" smtClean="0"/>
-              <a:t>Details, details:</a:t>
+              <a:t> Details, details:</a:t>
             </a:r>
           </a:p>
           <a:p>
             <a:pPr lvl="1"/>
             <a:r>
-              <a:rPr lang="en-US" dirty="0" smtClean="0"/>
+              <a:rPr lang="en-US" dirty="0"/>
               <a:t>Copy of your request form?</a:t>
             </a:r>
           </a:p>
           <a:p>
             <a:pPr lvl="1"/>
             <a:r>
-              <a:rPr lang="en-US" dirty="0" smtClean="0"/>
+              <a:rPr lang="en-US" dirty="0"/>
               <a:t>Copy of your request letter?</a:t>
             </a:r>
           </a:p>
           <a:p>
             <a:pPr lvl="1"/>
             <a:r>
-              <a:rPr lang="en-US" dirty="0" smtClean="0"/>
+              <a:rPr lang="en-US" dirty="0"/>
               <a:t>Etc.</a:t>
             </a:r>
           </a:p>
           <a:p>
             <a:r>
-              <a:rPr lang="en-US" dirty="0" smtClean="0"/>
+              <a:rPr lang="en-US" dirty="0"/>
               <a:t>Don’t assume (too much) prior knowledge!</a:t>
             </a:r>
           </a:p>
@@ -9702,13 +9445,6 @@
   <p:clrMapOvr>
     <a:masterClrMapping/>
   </p:clrMapOvr>
-  <p:timing>
-    <p:tnLst>
-      <p:par>
-        <p:cTn id="1" dur="indefinite" restart="never" nodeType="tmRoot"/>
-      </p:par>
-    </p:tnLst>
-  </p:timing>
 </p:sld>
 </file>
 
@@ -9795,10 +9531,9 @@
           <a:lstStyle/>
           <a:p>
             <a:r>
-              <a:rPr lang="en-US" dirty="0" smtClean="0"/>
+              <a:rPr lang="en-US" dirty="0"/>
               <a:t>Example: Danish administrative data</a:t>
             </a:r>
-            <a:endParaRPr lang="en-US" dirty="0"/>
           </a:p>
         </p:txBody>
       </p:sp>
@@ -9818,11 +9553,11 @@
           <a:lstStyle/>
           <a:p>
             <a:r>
-              <a:rPr lang="en-US" dirty="0" smtClean="0"/>
+              <a:rPr lang="en-US" dirty="0"/>
               <a:t>Access can be </a:t>
             </a:r>
             <a:r>
-              <a:rPr lang="en-US" b="1" dirty="0" smtClean="0">
+              <a:rPr lang="en-US" b="1" dirty="0">
                 <a:solidFill>
                   <a:schemeClr val="accent5"/>
                 </a:solidFill>
@@ -9832,11 +9567,11 @@
           </a:p>
           <a:p>
             <a:r>
-              <a:rPr lang="en-US" dirty="0" smtClean="0"/>
+              <a:rPr lang="en-US" dirty="0"/>
               <a:t>Is </a:t>
             </a:r>
             <a:r>
-              <a:rPr lang="en-US" b="1" dirty="0" smtClean="0">
+              <a:rPr lang="en-US" b="1" dirty="0">
                 <a:solidFill>
                   <a:schemeClr val="accent6"/>
                 </a:solidFill>
@@ -9849,38 +9584,37 @@
               <a:buNone/>
             </a:pPr>
             <a:r>
-              <a:rPr lang="en-US" dirty="0" smtClean="0"/>
+              <a:rPr lang="en-US" dirty="0"/>
               <a:t>(example taken from </a:t>
             </a:r>
             <a:r>
-              <a:rPr lang="en-US" dirty="0" err="1" smtClean="0">
+              <a:rPr lang="en-US" dirty="0" err="1">
                 <a:hlinkClick r:id="rId4"/>
               </a:rPr>
               <a:t>Fadlon</a:t>
             </a:r>
             <a:r>
-              <a:rPr lang="en-US" dirty="0" smtClean="0">
+              <a:rPr lang="en-US" dirty="0">
                 <a:hlinkClick r:id="rId4"/>
               </a:rPr>
               <a:t> and Nielsen, </a:t>
             </a:r>
             <a:r>
-              <a:rPr lang="en-US" dirty="0" err="1" smtClean="0">
+              <a:rPr lang="en-US" dirty="0" err="1">
                 <a:hlinkClick r:id="rId4"/>
               </a:rPr>
               <a:t>AEJ:Applied</a:t>
             </a:r>
             <a:r>
-              <a:rPr lang="en-US" dirty="0" smtClean="0">
+              <a:rPr lang="en-US" dirty="0">
                 <a:hlinkClick r:id="rId4"/>
               </a:rPr>
               <a:t> 2021</a:t>
             </a:r>
             <a:r>
-              <a:rPr lang="en-US" dirty="0" smtClean="0"/>
+              <a:rPr lang="en-US" dirty="0"/>
               <a:t>)</a:t>
             </a:r>
-            <a:endParaRPr lang="en-US" dirty="0"/>
           </a:p>
         </p:txBody>
       </p:sp>
@@ -9910,24 +9644,14 @@
               <a:rPr lang="en-US" sz="1400" dirty="0">
                 <a:hlinkClick r:id="rId5"/>
               </a:rPr>
-              <a:t>https://</a:t>
-            </a:r>
-            <a:r>
-              <a:rPr lang="en-US" sz="1400" dirty="0" smtClean="0">
-                <a:hlinkClick r:id="rId5"/>
-              </a:rPr>
-              <a:t>social-science-data-editors.github.io/guidance/Requested_information_dcas.html#example-for-government-registers</a:t>
-            </a:r>
-            <a:endParaRPr lang="en-US" sz="1400" dirty="0" smtClean="0"/>
-          </a:p>
-          <a:p>
-            <a:r>
-              <a:rPr lang="en-US" sz="1400" dirty="0" smtClean="0"/>
-              <a:t>http</a:t>
-            </a:r>
+              <a:t>https://social-science-data-editors.github.io/guidance/Requested_information_dcas.html#example-for-government-registers</a:t>
+            </a:r>
+            <a:endParaRPr lang="en-US" sz="1400" dirty="0"/>
+          </a:p>
+          <a:p>
             <a:r>
               <a:rPr lang="en-US" sz="1400" dirty="0"/>
-              <a:t>://www.dst.dk/extranet/forskningvariabellister/Oversigt%20over%20registre.html </a:t>
+              <a:t>http://www.dst.dk/extranet/forskningvariabellister/Oversigt%20over%20registre.html </a:t>
             </a:r>
           </a:p>
         </p:txBody>
@@ -10063,13 +9787,6 @@
   <p:clrMapOvr>
     <a:masterClrMapping/>
   </p:clrMapOvr>
-  <p:timing>
-    <p:tnLst>
-      <p:par>
-        <p:cTn id="1" dur="indefinite" restart="never" nodeType="tmRoot"/>
-      </p:par>
-    </p:tnLst>
-  </p:timing>
 </p:sld>
 </file>
 
@@ -10179,13 +9896,6 @@
   <p:clrMapOvr>
     <a:masterClrMapping/>
   </p:clrMapOvr>
-  <p:timing>
-    <p:tnLst>
-      <p:par>
-        <p:cTn id="1" dur="indefinite" restart="never" nodeType="tmRoot"/>
-      </p:par>
-    </p:tnLst>
-  </p:timing>
 </p:sld>
 </file>
 
@@ -10295,13 +10005,6 @@
   <p:clrMapOvr>
     <a:masterClrMapping/>
   </p:clrMapOvr>
-  <p:timing>
-    <p:tnLst>
-      <p:par>
-        <p:cTn id="1" dur="indefinite" restart="never" nodeType="tmRoot"/>
-      </p:par>
-    </p:tnLst>
-  </p:timing>
 </p:sld>
 </file>
 
@@ -10416,13 +10119,6 @@
   <p:clrMapOvr>
     <a:masterClrMapping/>
   </p:clrMapOvr>
-  <p:timing>
-    <p:tnLst>
-      <p:par>
-        <p:cTn id="1" dur="indefinite" restart="never" nodeType="tmRoot"/>
-      </p:par>
-    </p:tnLst>
-  </p:timing>
 </p:sld>
 </file>
 
@@ -10510,7 +10206,7 @@
           <a:p>
             <a:pPr algn="ctr"/>
             <a:r>
-              <a:rPr lang="en-US" sz="8800" dirty="0" smtClean="0">
+              <a:rPr lang="en-US" sz="8800" dirty="0">
                 <a:solidFill>
                   <a:schemeClr val="bg1"/>
                 </a:solidFill>
@@ -10535,13 +10231,6 @@
   <p:clrMapOvr>
     <a:masterClrMapping/>
   </p:clrMapOvr>
-  <p:timing>
-    <p:tnLst>
-      <p:par>
-        <p:cTn id="1" dur="indefinite" restart="never" nodeType="tmRoot"/>
-      </p:par>
-    </p:tnLst>
-  </p:timing>
 </p:sld>
 </file>
 
@@ -10578,14 +10267,9 @@
           <a:lstStyle/>
           <a:p>
             <a:r>
-              <a:rPr lang="en-US" dirty="0" smtClean="0"/>
-              <a:t>Some tips from the “frequently gotten wrong” </a:t>
-            </a:r>
-            <a:r>
-              <a:rPr lang="en-US" dirty="0" smtClean="0"/>
-              <a:t>bin (restricted-access version)</a:t>
-            </a:r>
-            <a:endParaRPr lang="en-US" dirty="0"/>
+              <a:rPr lang="en-US" dirty="0"/>
+              <a:t>Some tips from the “frequently gotten wrong” bin (restricted-access version)</a:t>
+            </a:r>
           </a:p>
         </p:txBody>
       </p:sp>
@@ -10608,17 +10292,17 @@
               <a:buNone/>
             </a:pPr>
             <a:r>
-              <a:rPr lang="en-US" dirty="0" smtClean="0"/>
+              <a:rPr lang="en-US" dirty="0"/>
               <a:t>Cleanly </a:t>
             </a:r>
             <a:r>
-              <a:rPr lang="en-US" b="1" u="sng" dirty="0" smtClean="0"/>
+              <a:rPr lang="en-US" b="1" u="sng" dirty="0"/>
               <a:t>separate</a:t>
             </a:r>
           </a:p>
           <a:p>
             <a:r>
-              <a:rPr lang="en-US" dirty="0" smtClean="0">
+              <a:rPr lang="en-US" dirty="0">
                 <a:solidFill>
                   <a:schemeClr val="accent2"/>
                 </a:solidFill>
@@ -10626,11 +10310,11 @@
               <a:t>Confidential data </a:t>
             </a:r>
             <a:r>
-              <a:rPr lang="en-US" dirty="0" smtClean="0"/>
+              <a:rPr lang="en-US" dirty="0"/>
               <a:t>and </a:t>
             </a:r>
             <a:r>
-              <a:rPr lang="en-US" dirty="0" smtClean="0">
+              <a:rPr lang="en-US" dirty="0">
                 <a:solidFill>
                   <a:schemeClr val="accent6"/>
                 </a:solidFill>
@@ -10638,20 +10322,20 @@
               <a:t>public use </a:t>
             </a:r>
             <a:r>
-              <a:rPr lang="en-US" dirty="0" smtClean="0"/>
+              <a:rPr lang="en-US" dirty="0"/>
               <a:t>data</a:t>
             </a:r>
           </a:p>
           <a:p>
             <a:pPr lvl="1"/>
             <a:r>
-              <a:rPr lang="en-US" dirty="0" smtClean="0"/>
+              <a:rPr lang="en-US" dirty="0"/>
               <a:t>You are going to have to provide copies of the public use data without compromising confidentiality</a:t>
             </a:r>
           </a:p>
           <a:p>
             <a:r>
-              <a:rPr lang="en-US" dirty="0" smtClean="0">
+              <a:rPr lang="en-US" dirty="0">
                 <a:solidFill>
                   <a:schemeClr val="accent2"/>
                 </a:solidFill>
@@ -10659,11 +10343,11 @@
               <a:t>Confidential parameters </a:t>
             </a:r>
             <a:r>
-              <a:rPr lang="en-US" dirty="0" smtClean="0"/>
+              <a:rPr lang="en-US" dirty="0"/>
               <a:t>and the </a:t>
             </a:r>
             <a:r>
-              <a:rPr lang="en-US" dirty="0" smtClean="0">
+              <a:rPr lang="en-US" dirty="0">
                 <a:solidFill>
                   <a:schemeClr val="accent6"/>
                 </a:solidFill>
@@ -10674,10 +10358,9 @@
           <a:p>
             <a:pPr lvl="1"/>
             <a:r>
-              <a:rPr lang="en-US" dirty="0" smtClean="0"/>
+              <a:rPr lang="en-US" dirty="0"/>
               <a:t>Reduces need to redact programs</a:t>
             </a:r>
-            <a:endParaRPr lang="en-US" dirty="0"/>
           </a:p>
         </p:txBody>
       </p:sp>
@@ -10731,13 +10414,6 @@
   <p:clrMapOvr>
     <a:masterClrMapping/>
   </p:clrMapOvr>
-  <p:timing>
-    <p:tnLst>
-      <p:par>
-        <p:cTn id="1" dur="indefinite" restart="never" nodeType="tmRoot"/>
-      </p:par>
-    </p:tnLst>
-  </p:timing>
 </p:sld>
 </file>
 
@@ -10828,7 +10504,7 @@
           <a:p>
             <a:pPr algn="ctr"/>
             <a:r>
-              <a:rPr lang="en-US" sz="8800" dirty="0" smtClean="0">
+              <a:rPr lang="en-US" sz="8800" dirty="0">
                 <a:solidFill>
                   <a:schemeClr val="bg1"/>
                 </a:solidFill>
@@ -10853,21 +10529,6 @@
   <p:clrMapOvr>
     <a:masterClrMapping/>
   </p:clrMapOvr>
-  <mc:AlternateContent xmlns:mc="http://schemas.openxmlformats.org/markup-compatibility/2006" xmlns:p14="http://schemas.microsoft.com/office/powerpoint/2010/main">
-    <mc:Choice Requires="p14">
-      <p:transition spd="slow" p14:dur="2000"/>
-    </mc:Choice>
-    <mc:Fallback xmlns="">
-      <p:transition spd="slow"/>
-    </mc:Fallback>
-  </mc:AlternateContent>
-  <p:timing>
-    <p:tnLst>
-      <p:par>
-        <p:cTn id="1" dur="indefinite" restart="never" nodeType="tmRoot"/>
-      </p:par>
-    </p:tnLst>
-  </p:timing>
 </p:sld>
 </file>
 
@@ -10904,14 +10565,9 @@
           <a:lstStyle/>
           <a:p>
             <a:r>
-              <a:rPr lang="en-US" dirty="0" smtClean="0"/>
-              <a:t>Some tips from the “frequently gotten wrong” </a:t>
-            </a:r>
-            <a:r>
-              <a:rPr lang="en-US" dirty="0" smtClean="0"/>
-              <a:t>bin (big data version)</a:t>
-            </a:r>
-            <a:endParaRPr lang="en-US" dirty="0"/>
+              <a:rPr lang="en-US" dirty="0"/>
+              <a:t>Some tips from the “frequently gotten wrong” bin (big data version)</a:t>
+            </a:r>
           </a:p>
         </p:txBody>
       </p:sp>
@@ -10936,11 +10592,11 @@
               <a:buNone/>
             </a:pPr>
             <a:r>
-              <a:rPr lang="en-US" dirty="0" smtClean="0"/>
+              <a:rPr lang="en-US" dirty="0"/>
               <a:t>Cleanly </a:t>
             </a:r>
             <a:r>
-              <a:rPr lang="en-US" b="1" u="sng" dirty="0" smtClean="0"/>
+              <a:rPr lang="en-US" b="1" u="sng" dirty="0"/>
               <a:t>separate</a:t>
             </a:r>
             <a:r>
@@ -10948,14 +10604,13 @@
               <a:t> and </a:t>
             </a:r>
             <a:r>
-              <a:rPr lang="en-US" b="1" u="sng" dirty="0" smtClean="0"/>
+              <a:rPr lang="en-US" b="1" u="sng" dirty="0"/>
               <a:t>preserve</a:t>
             </a:r>
-            <a:endParaRPr lang="en-US" b="1" u="sng" dirty="0" smtClean="0"/>
-          </a:p>
-          <a:p>
-            <a:r>
-              <a:rPr lang="en-US" dirty="0" smtClean="0">
+          </a:p>
+          <a:p>
+            <a:r>
+              <a:rPr lang="en-US" dirty="0">
                 <a:solidFill>
                   <a:schemeClr val="accent2"/>
                 </a:solidFill>
@@ -10967,11 +10622,7 @@
             <a:pPr lvl="1"/>
             <a:r>
               <a:rPr lang="en-US" dirty="0"/>
-              <a:t>Or </a:t>
-            </a:r>
-            <a:r>
-              <a:rPr lang="en-US" dirty="0" smtClean="0"/>
-              <a:t>instructions, needs to be re-executable</a:t>
+              <a:t>Or instructions, needs to be re-executable</a:t>
             </a:r>
           </a:p>
           <a:p>
@@ -11000,31 +10651,26 @@
             <a:pPr lvl="1"/>
             <a:r>
               <a:rPr lang="en-US" dirty="0"/>
-              <a:t>Reduces need to redact </a:t>
-            </a:r>
-            <a:r>
-              <a:rPr lang="en-US" dirty="0" smtClean="0"/>
-              <a:t>programs</a:t>
+              <a:t>Reduces need to redact programs</a:t>
             </a:r>
           </a:p>
           <a:p>
             <a:pPr lvl="1"/>
             <a:r>
-              <a:rPr lang="en-US" dirty="0" smtClean="0"/>
+              <a:rPr lang="en-US" dirty="0"/>
               <a:t>API keys and the like</a:t>
             </a:r>
-            <a:endParaRPr lang="en-US" dirty="0"/>
-          </a:p>
-          <a:p>
-            <a:r>
-              <a:rPr lang="en-US" dirty="0" smtClean="0">
+          </a:p>
+          <a:p>
+            <a:r>
+              <a:rPr lang="en-US" dirty="0">
                 <a:solidFill>
                   <a:schemeClr val="accent2"/>
                 </a:solidFill>
               </a:rPr>
               <a:t>Intermediate data extracts</a:t>
             </a:r>
-            <a:endParaRPr lang="en-US" dirty="0" smtClean="0">
+            <a:endParaRPr lang="en-US" dirty="0">
               <a:solidFill>
                 <a:schemeClr val="accent6"/>
               </a:solidFill>
@@ -11033,17 +10679,16 @@
           <a:p>
             <a:pPr lvl="1"/>
             <a:r>
-              <a:rPr lang="en-US" dirty="0" smtClean="0"/>
+              <a:rPr lang="en-US" dirty="0"/>
               <a:t>When its impossible to exactly re-extract data</a:t>
             </a:r>
           </a:p>
           <a:p>
             <a:pPr lvl="1"/>
             <a:r>
-              <a:rPr lang="en-US" dirty="0" smtClean="0"/>
+              <a:rPr lang="en-US" dirty="0"/>
               <a:t>When data extract takes a long time</a:t>
             </a:r>
-            <a:endParaRPr lang="en-US" dirty="0"/>
           </a:p>
         </p:txBody>
       </p:sp>
@@ -11097,13 +10742,6 @@
   <p:clrMapOvr>
     <a:masterClrMapping/>
   </p:clrMapOvr>
-  <p:timing>
-    <p:tnLst>
-      <p:par>
-        <p:cTn id="1" dur="indefinite" restart="never" nodeType="tmRoot"/>
-      </p:par>
-    </p:tnLst>
-  </p:timing>
 </p:sld>
 </file>
 
@@ -11194,7 +10832,7 @@
           <a:p>
             <a:pPr algn="ctr"/>
             <a:r>
-              <a:rPr lang="en-US" sz="8800" dirty="0" smtClean="0">
+              <a:rPr lang="en-US" sz="8800" dirty="0">
                 <a:solidFill>
                   <a:schemeClr val="bg1"/>
                 </a:solidFill>
@@ -11219,21 +10857,6 @@
   <p:clrMapOvr>
     <a:masterClrMapping/>
   </p:clrMapOvr>
-  <mc:AlternateContent xmlns:mc="http://schemas.openxmlformats.org/markup-compatibility/2006" xmlns:p14="http://schemas.microsoft.com/office/powerpoint/2010/main">
-    <mc:Choice Requires="p14">
-      <p:transition spd="slow" p14:dur="2000"/>
-    </mc:Choice>
-    <mc:Fallback xmlns="">
-      <p:transition spd="slow"/>
-    </mc:Fallback>
-  </mc:AlternateContent>
-  <p:timing>
-    <p:tnLst>
-      <p:par>
-        <p:cTn id="1" dur="indefinite" restart="never" nodeType="tmRoot"/>
-      </p:par>
-    </p:tnLst>
-  </p:timing>
 </p:sld>
 </file>
 
@@ -12682,7 +12305,7 @@
           <a:p>
             <a:pPr algn="ctr"/>
             <a:r>
-              <a:rPr lang="en-US" sz="8800" dirty="0" smtClean="0">
+              <a:rPr lang="en-US" sz="8800" dirty="0">
                 <a:solidFill>
                   <a:schemeClr val="bg1"/>
                 </a:solidFill>
@@ -12707,21 +12330,6 @@
   <p:clrMapOvr>
     <a:masterClrMapping/>
   </p:clrMapOvr>
-  <mc:AlternateContent xmlns:mc="http://schemas.openxmlformats.org/markup-compatibility/2006" xmlns:p14="http://schemas.microsoft.com/office/powerpoint/2010/main">
-    <mc:Choice Requires="p14">
-      <p:transition spd="slow" p14:dur="2000"/>
-    </mc:Choice>
-    <mc:Fallback xmlns="">
-      <p:transition spd="slow"/>
-    </mc:Fallback>
-  </mc:AlternateContent>
-  <p:timing>
-    <p:tnLst>
-      <p:par>
-        <p:cTn id="1" dur="indefinite" restart="never" nodeType="tmRoot"/>
-      </p:par>
-    </p:tnLst>
-  </p:timing>
 </p:sld>
 </file>
 
@@ -12817,10 +12425,9 @@
           <a:lstStyle/>
           <a:p>
             <a:r>
-              <a:rPr lang="en-US" b="1" dirty="0" smtClean="0"/>
+              <a:rPr lang="en-US" b="1" dirty="0"/>
               <a:t>LEHD data</a:t>
             </a:r>
-            <a:endParaRPr lang="en-US" b="1" dirty="0"/>
           </a:p>
           <a:p>
             <a:pPr lvl="1"/>
@@ -12830,18 +12437,10 @@
                   <a:srgbClr val="FF0000"/>
                 </a:solidFill>
               </a:rPr>
-              <a:t>Raw </a:t>
-            </a:r>
-            <a:r>
-              <a:rPr lang="en-US" dirty="0" smtClean="0">
-                <a:solidFill>
-                  <a:srgbClr val="FF0000"/>
-                </a:solidFill>
-              </a:rPr>
-              <a:t>data in </a:t>
-            </a:r>
-            <a:r>
-              <a:rPr lang="en-US" b="1" u="sng" dirty="0" smtClean="0">
+              <a:t>Raw data in </a:t>
+            </a:r>
+            <a:r>
+              <a:rPr lang="en-US" b="1" u="sng" dirty="0">
                 <a:solidFill>
                   <a:srgbClr val="FF0000"/>
                 </a:solidFill>
@@ -12849,18 +12448,13 @@
               <a:t>shared</a:t>
             </a:r>
             <a:r>
-              <a:rPr lang="en-US" dirty="0" smtClean="0">
+              <a:rPr lang="en-US" dirty="0">
                 <a:solidFill>
                   <a:srgbClr val="FF0000"/>
                 </a:solidFill>
               </a:rPr>
               <a:t> location</a:t>
             </a:r>
-            <a:endParaRPr lang="en-US" dirty="0">
-              <a:solidFill>
-                <a:srgbClr val="FF0000"/>
-              </a:solidFill>
-            </a:endParaRPr>
           </a:p>
           <a:p>
             <a:pPr lvl="1"/>
@@ -12891,22 +12485,22 @@
           </a:p>
           <a:p>
             <a:r>
-              <a:rPr lang="en-US" b="1" dirty="0" smtClean="0"/>
+              <a:rPr lang="en-US" b="1" dirty="0"/>
               <a:t>Big data: LEHD (</a:t>
             </a:r>
             <a:r>
-              <a:rPr lang="en-US" dirty="0" smtClean="0"/>
+              <a:rPr lang="en-US" dirty="0"/>
               <a:t>1990-2015) </a:t>
             </a:r>
             <a:r>
-              <a:rPr lang="en-US" b="1" dirty="0" smtClean="0"/>
+              <a:rPr lang="en-US" b="1" dirty="0"/>
               <a:t>is</a:t>
             </a:r>
           </a:p>
           <a:p>
             <a:pPr lvl="1"/>
             <a:r>
-              <a:rPr lang="en-US" dirty="0" err="1" smtClean="0"/>
+              <a:rPr lang="en-US" dirty="0" err="1"/>
               <a:t>Obs</a:t>
             </a:r>
             <a:r>
@@ -12932,13 +12526,8 @@
             <a:pPr lvl="1"/>
             <a:r>
               <a:rPr lang="en-US" dirty="0"/>
-              <a:t>Jobs: 1.7 </a:t>
-            </a:r>
-            <a:r>
-              <a:rPr lang="en-US" dirty="0" smtClean="0"/>
-              <a:t>Billion</a:t>
-            </a:r>
-            <a:endParaRPr lang="en-US" dirty="0"/>
+              <a:t>Jobs: 1.7 Billion</a:t>
+            </a:r>
           </a:p>
           <a:p>
             <a:pPr lvl="1"/>
@@ -13019,18 +12608,13 @@
           <a:p>
             <a:pPr algn="ctr"/>
             <a:r>
-              <a:rPr lang="en-US" dirty="0" smtClean="0">
+              <a:rPr lang="en-US" dirty="0">
                 <a:solidFill>
                   <a:srgbClr val="FF0000"/>
                 </a:solidFill>
               </a:rPr>
               <a:t>This does not fit into Stata on your laptop</a:t>
             </a:r>
-            <a:endParaRPr lang="en-US" dirty="0">
-              <a:solidFill>
-                <a:srgbClr val="FF0000"/>
-              </a:solidFill>
-            </a:endParaRPr>
           </a:p>
         </p:txBody>
       </p:sp>
@@ -13540,72 +13124,64 @@
           <a:lstStyle/>
           <a:p>
             <a:r>
-              <a:rPr lang="en-US" b="1" dirty="0" smtClean="0"/>
+              <a:rPr lang="en-US" b="1" dirty="0"/>
               <a:t>You are working with another person</a:t>
             </a:r>
-            <a:endParaRPr lang="en-US" b="1" dirty="0"/>
           </a:p>
           <a:p>
             <a:pPr lvl="1"/>
             <a:r>
-              <a:rPr lang="en-US" dirty="0" smtClean="0"/>
+              <a:rPr lang="en-US" dirty="0"/>
               <a:t>It takes days to extract the code</a:t>
             </a:r>
-            <a:endParaRPr lang="en-US" dirty="0"/>
           </a:p>
           <a:p>
             <a:pPr lvl="1"/>
             <a:r>
-              <a:rPr lang="en-US" dirty="0" smtClean="0"/>
+              <a:rPr lang="en-US" dirty="0"/>
               <a:t>Need to coordinate on space</a:t>
             </a:r>
           </a:p>
           <a:p>
             <a:pPr lvl="1"/>
             <a:r>
-              <a:rPr lang="en-US" dirty="0" smtClean="0"/>
+              <a:rPr lang="en-US" dirty="0"/>
               <a:t>You may be limited on space</a:t>
             </a:r>
-            <a:endParaRPr lang="en-US" dirty="0"/>
-          </a:p>
-          <a:p>
-            <a:r>
-              <a:rPr lang="en-US" b="1" dirty="0" smtClean="0"/>
+          </a:p>
+          <a:p>
+            <a:r>
+              <a:rPr lang="en-US" b="1" dirty="0"/>
               <a:t>You cannot share the data outside of your space</a:t>
             </a:r>
           </a:p>
           <a:p>
             <a:pPr lvl="1"/>
             <a:r>
-              <a:rPr lang="en-US" dirty="0" smtClean="0"/>
+              <a:rPr lang="en-US" dirty="0"/>
               <a:t>Solution: Share a location</a:t>
             </a:r>
           </a:p>
           <a:p>
             <a:pPr lvl="1"/>
             <a:r>
-              <a:rPr lang="en-US" dirty="0" smtClean="0"/>
-              <a:t>Solution: Keep track of which programs have been run, and how lon</a:t>
-            </a:r>
-            <a:r>
-              <a:rPr lang="en-US" dirty="0" smtClean="0"/>
-              <a:t>g they took</a:t>
+              <a:rPr lang="en-US" dirty="0"/>
+              <a:t>Solution: Keep track of which programs have been run, and how long they took</a:t>
             </a:r>
           </a:p>
           <a:p>
             <a:pPr lvl="2"/>
             <a:r>
-              <a:rPr lang="en-US" dirty="0" smtClean="0"/>
+              <a:rPr lang="en-US" dirty="0"/>
               <a:t>Keep log files</a:t>
             </a:r>
           </a:p>
           <a:p>
             <a:pPr lvl="2"/>
             <a:r>
-              <a:rPr lang="en-US" dirty="0" smtClean="0"/>
+              <a:rPr lang="en-US" dirty="0"/>
               <a:t>Program in checks for intermediate files – do not reprocess if present</a:t>
             </a:r>
-            <a:endParaRPr lang="en-US" dirty="0"/>
           </a:p>
         </p:txBody>
       </p:sp>
@@ -14006,10 +13582,9 @@
           <a:lstStyle/>
           <a:p>
             <a:r>
-              <a:rPr lang="en-US" dirty="0" smtClean="0"/>
+              <a:rPr lang="en-US" dirty="0"/>
               <a:t>Checking for intermediate files</a:t>
             </a:r>
-            <a:endParaRPr lang="en-US" dirty="0"/>
           </a:p>
         </p:txBody>
       </p:sp>
@@ -14034,7 +13609,7 @@
               <a:buNone/>
             </a:pPr>
             <a:r>
-              <a:rPr lang="en-US" dirty="0" smtClean="0"/>
+              <a:rPr lang="en-US" dirty="0"/>
               <a:t>R:</a:t>
             </a:r>
           </a:p>
@@ -14042,42 +13617,42 @@
             <a:pPr marL="0" indent="0">
               <a:buNone/>
             </a:pPr>
-            <a:endParaRPr lang="en-US" dirty="0" smtClean="0"/>
+            <a:endParaRPr lang="en-US" dirty="0"/>
           </a:p>
           <a:p>
             <a:pPr marL="457200" lvl="1" indent="0">
               <a:buNone/>
             </a:pPr>
             <a:r>
-              <a:rPr lang="en-US" sz="1800" b="1" dirty="0" smtClean="0">
+              <a:rPr lang="en-US" sz="1800" b="1" dirty="0">
                 <a:latin typeface="Lucida Console" panose="020B0609040504020204" pitchFamily="49" charset="0"/>
                 <a:cs typeface="Courier New" panose="02070309020205020404" pitchFamily="49" charset="0"/>
               </a:rPr>
               <a:t>if ( ! </a:t>
             </a:r>
             <a:r>
-              <a:rPr lang="en-US" sz="1800" b="1" dirty="0" err="1" smtClean="0">
+              <a:rPr lang="en-US" sz="1800" b="1" dirty="0" err="1">
                 <a:latin typeface="Lucida Console" panose="020B0609040504020204" pitchFamily="49" charset="0"/>
                 <a:cs typeface="Courier New" panose="02070309020205020404" pitchFamily="49" charset="0"/>
               </a:rPr>
               <a:t>file.exists</a:t>
             </a:r>
             <a:r>
-              <a:rPr lang="en-US" sz="1800" b="1" dirty="0" smtClean="0">
+              <a:rPr lang="en-US" sz="1800" b="1" dirty="0">
                 <a:latin typeface="Lucida Console" panose="020B0609040504020204" pitchFamily="49" charset="0"/>
                 <a:cs typeface="Courier New" panose="02070309020205020404" pitchFamily="49" charset="0"/>
               </a:rPr>
               <a:t>(</a:t>
             </a:r>
             <a:r>
-              <a:rPr lang="en-US" sz="1800" b="1" dirty="0" err="1" smtClean="0">
+              <a:rPr lang="en-US" sz="1800" b="1" dirty="0" err="1">
                 <a:latin typeface="Lucida Console" panose="020B0609040504020204" pitchFamily="49" charset="0"/>
                 <a:cs typeface="Courier New" panose="02070309020205020404" pitchFamily="49" charset="0"/>
               </a:rPr>
               <a:t>file.path</a:t>
             </a:r>
             <a:r>
-              <a:rPr lang="en-US" sz="1800" b="1" dirty="0" smtClean="0">
+              <a:rPr lang="en-US" sz="1800" b="1" dirty="0">
                 <a:latin typeface="Lucida Console" panose="020B0609040504020204" pitchFamily="49" charset="0"/>
                 <a:cs typeface="Courier New" panose="02070309020205020404" pitchFamily="49" charset="0"/>
               </a:rPr>
@@ -14093,24 +13668,17 @@
                 <a:latin typeface="Lucida Console" panose="020B0609040504020204" pitchFamily="49" charset="0"/>
                 <a:cs typeface="Courier New" panose="02070309020205020404" pitchFamily="49" charset="0"/>
               </a:rPr>
-              <a:t> </a:t>
-            </a:r>
-            <a:r>
-              <a:rPr lang="en-US" sz="1800" b="1" dirty="0" smtClean="0">
-                <a:latin typeface="Lucida Console" panose="020B0609040504020204" pitchFamily="49" charset="0"/>
-                <a:cs typeface="Courier New" panose="02070309020205020404" pitchFamily="49" charset="0"/>
-              </a:rPr>
-              <a:t>   </a:t>
-            </a:r>
-            <a:r>
-              <a:rPr lang="en-US" sz="1800" b="1" dirty="0" err="1" smtClean="0">
+              <a:t>    </a:t>
+            </a:r>
+            <a:r>
+              <a:rPr lang="en-US" sz="1800" b="1" dirty="0" err="1">
                 <a:latin typeface="Lucida Console" panose="020B0609040504020204" pitchFamily="49" charset="0"/>
                 <a:cs typeface="Courier New" panose="02070309020205020404" pitchFamily="49" charset="0"/>
               </a:rPr>
               <a:t>prepare_file</a:t>
             </a:r>
             <a:r>
-              <a:rPr lang="en-US" sz="1800" b="1" dirty="0" smtClean="0">
+              <a:rPr lang="en-US" sz="1800" b="1" dirty="0">
                 <a:latin typeface="Lucida Console" panose="020B0609040504020204" pitchFamily="49" charset="0"/>
                 <a:cs typeface="Courier New" panose="02070309020205020404" pitchFamily="49" charset="0"/>
               </a:rPr>
@@ -14122,7 +13690,7 @@
               <a:buNone/>
             </a:pPr>
             <a:r>
-              <a:rPr lang="en-US" sz="1800" b="1" dirty="0" smtClean="0">
+              <a:rPr lang="en-US" sz="1800" b="1" dirty="0">
                 <a:latin typeface="Lucida Console" panose="020B0609040504020204" pitchFamily="49" charset="0"/>
                 <a:cs typeface="Courier New" panose="02070309020205020404" pitchFamily="49" charset="0"/>
               </a:rPr>
@@ -14138,14 +13706,7 @@
                 <a:latin typeface="Lucida Console" panose="020B0609040504020204" pitchFamily="49" charset="0"/>
                 <a:cs typeface="Courier New" panose="02070309020205020404" pitchFamily="49" charset="0"/>
               </a:rPr>
-              <a:t> </a:t>
-            </a:r>
-            <a:r>
-              <a:rPr lang="en-US" sz="1800" b="1" dirty="0" smtClean="0">
-                <a:latin typeface="Lucida Console" panose="020B0609040504020204" pitchFamily="49" charset="0"/>
-                <a:cs typeface="Courier New" panose="02070309020205020404" pitchFamily="49" charset="0"/>
-              </a:rPr>
-              <a:t>  message(“File exists, skipping processing”)</a:t>
+              <a:t>   message(“File exists, skipping processing”)</a:t>
             </a:r>
           </a:p>
           <a:p>
@@ -14172,13 +13733,6 @@
   <p:clrMapOvr>
     <a:masterClrMapping/>
   </p:clrMapOvr>
-  <p:timing>
-    <p:tnLst>
-      <p:par>
-        <p:cTn id="1" dur="indefinite" restart="never" nodeType="tmRoot"/>
-      </p:par>
-    </p:tnLst>
-  </p:timing>
 </p:sld>
 </file>
 
@@ -14215,10 +13769,9 @@
           <a:lstStyle/>
           <a:p>
             <a:r>
-              <a:rPr lang="en-US" dirty="0" smtClean="0"/>
+              <a:rPr lang="en-US" dirty="0"/>
               <a:t>Checking for intermediate files</a:t>
             </a:r>
-            <a:endParaRPr lang="en-US" dirty="0"/>
           </a:p>
         </p:txBody>
       </p:sp>
@@ -14243,7 +13796,7 @@
               <a:buNone/>
             </a:pPr>
             <a:r>
-              <a:rPr lang="en-US" dirty="0" smtClean="0"/>
+              <a:rPr lang="en-US" dirty="0"/>
               <a:t>Stata:</a:t>
             </a:r>
           </a:p>
@@ -14251,7 +13804,7 @@
             <a:pPr marL="0" indent="0">
               <a:buNone/>
             </a:pPr>
-            <a:endParaRPr lang="en-US" dirty="0" smtClean="0"/>
+            <a:endParaRPr lang="en-US" dirty="0"/>
           </a:p>
           <a:p>
             <a:pPr marL="457200" lvl="1" indent="0">
@@ -14262,21 +13815,7 @@
                 <a:latin typeface="Lucida Console" panose="020B0609040504020204" pitchFamily="49" charset="0"/>
                 <a:cs typeface="Courier New" panose="02070309020205020404" pitchFamily="49" charset="0"/>
               </a:rPr>
-              <a:t>capture confirm file </a:t>
-            </a:r>
-            <a:r>
-              <a:rPr lang="en-US" sz="1800" b="1" dirty="0" smtClean="0">
-                <a:latin typeface="Lucida Console" panose="020B0609040504020204" pitchFamily="49" charset="0"/>
-                <a:cs typeface="Courier New" panose="02070309020205020404" pitchFamily="49" charset="0"/>
-              </a:rPr>
-              <a:t>“$intermediate/step1.dta</a:t>
-            </a:r>
-            <a:r>
-              <a:rPr lang="en-US" sz="1800" b="1" dirty="0">
-                <a:latin typeface="Lucida Console" panose="020B0609040504020204" pitchFamily="49" charset="0"/>
-                <a:cs typeface="Courier New" panose="02070309020205020404" pitchFamily="49" charset="0"/>
-              </a:rPr>
-              <a:t>"</a:t>
+              <a:t>capture confirm file “$intermediate/step1.dta"</a:t>
             </a:r>
           </a:p>
           <a:p>
@@ -14291,25 +13830,18 @@
               <a:t>  if _</a:t>
             </a:r>
             <a:r>
-              <a:rPr lang="en-US" sz="1800" b="1" dirty="0" err="1" smtClean="0">
+              <a:rPr lang="en-US" sz="1800" b="1" dirty="0" err="1">
                 <a:latin typeface="Lucida Console" panose="020B0609040504020204" pitchFamily="49" charset="0"/>
                 <a:cs typeface="Courier New" panose="02070309020205020404" pitchFamily="49" charset="0"/>
               </a:rPr>
               <a:t>rc</a:t>
             </a:r>
             <a:r>
-              <a:rPr lang="en-US" sz="1800" b="1" dirty="0" smtClean="0">
-                <a:latin typeface="Lucida Console" panose="020B0609040504020204" pitchFamily="49" charset="0"/>
-                <a:cs typeface="Courier New" panose="02070309020205020404" pitchFamily="49" charset="0"/>
-              </a:rPr>
-              <a:t>!=0 </a:t>
-            </a:r>
-            <a:r>
               <a:rPr lang="en-US" sz="1800" b="1" dirty="0">
                 <a:latin typeface="Lucida Console" panose="020B0609040504020204" pitchFamily="49" charset="0"/>
                 <a:cs typeface="Courier New" panose="02070309020205020404" pitchFamily="49" charset="0"/>
               </a:rPr>
-              <a:t>{</a:t>
+              <a:t>!=0 {</a:t>
             </a:r>
           </a:p>
           <a:p>
@@ -14324,14 +13856,14 @@
               <a:t>    </a:t>
             </a:r>
             <a:r>
-              <a:rPr lang="en-US" sz="1800" b="1" dirty="0" err="1" smtClean="0">
+              <a:rPr lang="en-US" sz="1800" b="1" dirty="0" err="1">
                 <a:latin typeface="Lucida Console" panose="020B0609040504020204" pitchFamily="49" charset="0"/>
                 <a:cs typeface="Courier New" panose="02070309020205020404" pitchFamily="49" charset="0"/>
               </a:rPr>
               <a:t>process_file</a:t>
             </a:r>
             <a:r>
-              <a:rPr lang="en-US" sz="1800" b="1" dirty="0" smtClean="0">
+              <a:rPr lang="en-US" sz="1800" b="1" dirty="0">
                 <a:latin typeface="Lucida Console" panose="020B0609040504020204" pitchFamily="49" charset="0"/>
                 <a:cs typeface="Courier New" panose="02070309020205020404" pitchFamily="49" charset="0"/>
               </a:rPr>
@@ -14347,59 +13879,20 @@
                 <a:latin typeface="Lucida Console" panose="020B0609040504020204" pitchFamily="49" charset="0"/>
                 <a:cs typeface="Courier New" panose="02070309020205020404" pitchFamily="49" charset="0"/>
               </a:rPr>
-              <a:t>}</a:t>
-            </a:r>
-            <a:r>
-              <a:rPr lang="en-US" sz="1800" b="1" dirty="0" smtClean="0">
-                <a:latin typeface="Lucida Console" panose="020B0609040504020204" pitchFamily="49" charset="0"/>
-                <a:cs typeface="Courier New" panose="02070309020205020404" pitchFamily="49" charset="0"/>
-              </a:rPr>
-              <a:t>  </a:t>
-            </a:r>
+              <a:t>}  else {</a:t>
+            </a:r>
+          </a:p>
+          <a:p>
+            <a:pPr marL="457200" lvl="1" indent="0">
+              <a:buNone/>
+            </a:pPr>
             <a:r>
               <a:rPr lang="en-US" sz="1800" b="1" dirty="0">
                 <a:latin typeface="Lucida Console" panose="020B0609040504020204" pitchFamily="49" charset="0"/>
                 <a:cs typeface="Courier New" panose="02070309020205020404" pitchFamily="49" charset="0"/>
               </a:rPr>
-              <a:t>else {</a:t>
-            </a:r>
-          </a:p>
-          <a:p>
-            <a:pPr marL="457200" lvl="1" indent="0">
-              <a:buNone/>
-            </a:pPr>
-            <a:r>
-              <a:rPr lang="en-US" sz="1800" b="1" dirty="0">
-                <a:latin typeface="Lucida Console" panose="020B0609040504020204" pitchFamily="49" charset="0"/>
-                <a:cs typeface="Courier New" panose="02070309020205020404" pitchFamily="49" charset="0"/>
-              </a:rPr>
-              <a:t>    display </a:t>
-            </a:r>
-            <a:r>
-              <a:rPr lang="en-US" sz="1800" b="1" dirty="0" smtClean="0">
-                <a:latin typeface="Lucida Console" panose="020B0609040504020204" pitchFamily="49" charset="0"/>
-                <a:cs typeface="Courier New" panose="02070309020205020404" pitchFamily="49" charset="0"/>
-              </a:rPr>
-              <a:t>"</a:t>
-            </a:r>
-            <a:r>
-              <a:rPr lang="en-US" sz="1800" b="1" dirty="0">
-                <a:latin typeface="Lucida Console" panose="020B0609040504020204" pitchFamily="49" charset="0"/>
-                <a:cs typeface="Courier New" panose="02070309020205020404" pitchFamily="49" charset="0"/>
-              </a:rPr>
-              <a:t> File exists, skipping processing </a:t>
-            </a:r>
-            <a:r>
-              <a:rPr lang="en-US" sz="1800" b="1" dirty="0" smtClean="0">
-                <a:latin typeface="Lucida Console" panose="020B0609040504020204" pitchFamily="49" charset="0"/>
-                <a:cs typeface="Courier New" panose="02070309020205020404" pitchFamily="49" charset="0"/>
-              </a:rPr>
-              <a:t>"</a:t>
-            </a:r>
-            <a:endParaRPr lang="en-US" sz="1800" b="1" dirty="0">
-              <a:latin typeface="Lucida Console" panose="020B0609040504020204" pitchFamily="49" charset="0"/>
-              <a:cs typeface="Courier New" panose="02070309020205020404" pitchFamily="49" charset="0"/>
-            </a:endParaRPr>
+              <a:t>    display " File exists, skipping processing "</a:t>
+            </a:r>
           </a:p>
           <a:p>
             <a:pPr marL="457200" lvl="1" indent="0">
@@ -14425,13 +13918,6 @@
   <p:clrMapOvr>
     <a:masterClrMapping/>
   </p:clrMapOvr>
-  <p:timing>
-    <p:tnLst>
-      <p:par>
-        <p:cTn id="1" dur="indefinite" restart="never" nodeType="tmRoot"/>
-      </p:par>
-    </p:tnLst>
-  </p:timing>
 </p:sld>
 </file>
 
@@ -14662,12 +14148,8 @@
           <a:lstStyle/>
           <a:p>
             <a:r>
-              <a:rPr lang="en-US" dirty="0" smtClean="0"/>
-              <a:t>Safe </a:t>
-            </a:r>
-            <a:r>
-              <a:rPr lang="en-US" dirty="0"/>
-              <a:t>Collaboration </a:t>
+              <a:rPr lang="en-US" dirty="0"/>
+              <a:t>Safe Collaboration </a:t>
             </a:r>
           </a:p>
         </p:txBody>
@@ -14695,65 +14177,57 @@
           <a:lstStyle/>
           <a:p>
             <a:r>
-              <a:rPr lang="en-US" b="1" dirty="0" smtClean="0"/>
+              <a:rPr lang="en-US" b="1" dirty="0"/>
               <a:t>Census rules discourage frequent removal of results and code</a:t>
             </a:r>
-            <a:endParaRPr lang="en-US" b="1" dirty="0"/>
           </a:p>
           <a:p>
             <a:pPr lvl="1"/>
             <a:r>
-              <a:rPr lang="en-US" dirty="0" smtClean="0"/>
+              <a:rPr lang="en-US" dirty="0"/>
               <a:t>Earlier released results might impede later release of results</a:t>
             </a:r>
-            <a:endParaRPr lang="en-US" dirty="0"/>
           </a:p>
           <a:p>
             <a:pPr lvl="1"/>
             <a:r>
-              <a:rPr lang="en-US" dirty="0" smtClean="0"/>
+              <a:rPr lang="en-US" dirty="0"/>
               <a:t>Code needs to be vetted every time for confidentiality</a:t>
             </a:r>
-            <a:endParaRPr lang="en-US" dirty="0"/>
-          </a:p>
-          <a:p>
-            <a:r>
-              <a:rPr lang="en-US" b="1" dirty="0" smtClean="0"/>
+          </a:p>
+          <a:p>
+            <a:r>
+              <a:rPr lang="en-US" b="1" dirty="0"/>
               <a:t>Solution: safe programming</a:t>
             </a:r>
-            <a:endParaRPr lang="en-US" b="1" dirty="0"/>
           </a:p>
           <a:p>
             <a:pPr lvl="1"/>
             <a:r>
-              <a:rPr lang="en-US" dirty="0" smtClean="0"/>
+              <a:rPr lang="en-US" dirty="0"/>
               <a:t>Use samples for early release, late releases that are different (no overlap)</a:t>
             </a:r>
-            <a:endParaRPr lang="en-US" dirty="0"/>
           </a:p>
           <a:p>
             <a:pPr lvl="1"/>
             <a:r>
-              <a:rPr lang="en-US" dirty="0" smtClean="0"/>
+              <a:rPr lang="en-US" dirty="0"/>
               <a:t>Include code that demonstrates safe release</a:t>
             </a:r>
-            <a:endParaRPr lang="en-US" dirty="0"/>
           </a:p>
           <a:p>
             <a:pPr lvl="1"/>
             <a:r>
-              <a:rPr lang="en-US" dirty="0" smtClean="0"/>
+              <a:rPr lang="en-US" dirty="0"/>
               <a:t>Use placeholders for confidential values (for instance, minimum cell size)</a:t>
             </a:r>
-            <a:endParaRPr lang="en-US" dirty="0"/>
           </a:p>
           <a:p>
             <a:pPr lvl="1"/>
             <a:r>
-              <a:rPr lang="en-US" dirty="0" smtClean="0"/>
+              <a:rPr lang="en-US" dirty="0"/>
               <a:t>Store them in external files</a:t>
             </a:r>
-            <a:endParaRPr lang="en-US" dirty="0"/>
           </a:p>
         </p:txBody>
       </p:sp>
@@ -15123,10 +14597,9 @@
           <a:lstStyle/>
           <a:p>
             <a:r>
-              <a:rPr lang="en-US" dirty="0" smtClean="0"/>
+              <a:rPr lang="en-US" dirty="0"/>
               <a:t>Effective Programming </a:t>
             </a:r>
-            <a:endParaRPr lang="en-US" dirty="0"/>
           </a:p>
         </p:txBody>
       </p:sp>
@@ -15153,65 +14626,58 @@
           <a:lstStyle/>
           <a:p>
             <a:r>
-              <a:rPr lang="en-US" b="1" dirty="0" smtClean="0"/>
+              <a:rPr lang="en-US" b="1" dirty="0"/>
               <a:t>Datasets are huge</a:t>
             </a:r>
-            <a:endParaRPr lang="en-US" b="1" dirty="0"/>
           </a:p>
           <a:p>
             <a:pPr lvl="1"/>
             <a:r>
-              <a:rPr lang="en-US" dirty="0" smtClean="0"/>
+              <a:rPr lang="en-US" dirty="0"/>
               <a:t>Bugs in later code may show up many days/weeks later</a:t>
             </a:r>
-            <a:endParaRPr lang="en-US" dirty="0"/>
           </a:p>
           <a:p>
             <a:pPr lvl="1"/>
             <a:r>
-              <a:rPr lang="en-US" dirty="0" smtClean="0"/>
+              <a:rPr lang="en-US" dirty="0"/>
               <a:t>You cannot run code interactively</a:t>
             </a:r>
-            <a:endParaRPr lang="en-US" dirty="0"/>
-          </a:p>
-          <a:p>
-            <a:r>
-              <a:rPr lang="en-US" b="1" dirty="0" smtClean="0"/>
+          </a:p>
+          <a:p>
+            <a:r>
+              <a:rPr lang="en-US" b="1" dirty="0"/>
               <a:t>Solution: build in tests</a:t>
             </a:r>
-            <a:endParaRPr lang="en-US" b="1" dirty="0"/>
           </a:p>
           <a:p>
             <a:pPr lvl="1"/>
             <a:r>
-              <a:rPr lang="en-US" dirty="0" smtClean="0"/>
+              <a:rPr lang="en-US" dirty="0"/>
               <a:t>Use samples for debugging</a:t>
             </a:r>
-            <a:endParaRPr lang="en-US" dirty="0"/>
           </a:p>
           <a:p>
             <a:pPr lvl="1"/>
             <a:r>
-              <a:rPr lang="en-US" dirty="0" smtClean="0"/>
+              <a:rPr lang="en-US" dirty="0"/>
               <a:t>Be aware of what you are sampling: </a:t>
             </a:r>
             <a:r>
-              <a:rPr lang="en-US" i="1" dirty="0" smtClean="0"/>
+              <a:rPr lang="en-US" i="1" dirty="0"/>
               <a:t>people, jobs, businesses, counties, places, time periods</a:t>
             </a:r>
             <a:r>
-              <a:rPr lang="en-US" dirty="0" smtClean="0"/>
+              <a:rPr lang="en-US" dirty="0"/>
               <a:t>!</a:t>
             </a:r>
-            <a:endParaRPr lang="en-US" dirty="0"/>
           </a:p>
           <a:p>
             <a:pPr lvl="1"/>
             <a:r>
-              <a:rPr lang="en-US" dirty="0" smtClean="0"/>
+              <a:rPr lang="en-US" dirty="0"/>
               <a:t>Include information about the sampling in output and naming of files</a:t>
             </a:r>
-            <a:endParaRPr lang="en-US" dirty="0"/>
           </a:p>
         </p:txBody>
       </p:sp>
@@ -15550,10 +15016,9 @@
           <a:lstStyle/>
           <a:p>
             <a:r>
-              <a:rPr lang="en-US" dirty="0" smtClean="0"/>
+              <a:rPr lang="en-US" dirty="0"/>
               <a:t>Safe and effective programming</a:t>
             </a:r>
-            <a:endParaRPr lang="en-US" dirty="0"/>
           </a:p>
         </p:txBody>
       </p:sp>
@@ -15578,7 +15043,7 @@
               <a:buNone/>
             </a:pPr>
             <a:r>
-              <a:rPr lang="en-US" dirty="0" smtClean="0"/>
+              <a:rPr lang="en-US" dirty="0"/>
               <a:t>Stata:</a:t>
             </a:r>
           </a:p>
@@ -15591,24 +15056,17 @@
                 <a:latin typeface="Lucida Console" panose="020B0609040504020204" pitchFamily="49" charset="0"/>
                 <a:cs typeface="Courier New" panose="02070309020205020404" pitchFamily="49" charset="0"/>
               </a:rPr>
-              <a:t>i</a:t>
-            </a:r>
-            <a:r>
-              <a:rPr lang="en-US" sz="1800" b="1" dirty="0" smtClean="0">
-                <a:latin typeface="Lucida Console" panose="020B0609040504020204" pitchFamily="49" charset="0"/>
-                <a:cs typeface="Courier New" panose="02070309020205020404" pitchFamily="49" charset="0"/>
-              </a:rPr>
-              <a:t>nclude “$</a:t>
-            </a:r>
-            <a:r>
-              <a:rPr lang="en-US" sz="1800" b="1" dirty="0" err="1" smtClean="0">
+              <a:t>include “$</a:t>
+            </a:r>
+            <a:r>
+              <a:rPr lang="en-US" sz="1800" b="1" dirty="0" err="1">
                 <a:latin typeface="Lucida Console" panose="020B0609040504020204" pitchFamily="49" charset="0"/>
                 <a:cs typeface="Courier New" panose="02070309020205020404" pitchFamily="49" charset="0"/>
               </a:rPr>
               <a:t>confcode</a:t>
             </a:r>
             <a:r>
-              <a:rPr lang="en-US" sz="1800" b="1" dirty="0" smtClean="0">
+              <a:rPr lang="en-US" sz="1800" b="1" dirty="0">
                 <a:latin typeface="Lucida Console" panose="020B0609040504020204" pitchFamily="49" charset="0"/>
                 <a:cs typeface="Courier New" panose="02070309020205020404" pitchFamily="49" charset="0"/>
               </a:rPr>
@@ -15620,7 +15078,7 @@
               <a:buNone/>
             </a:pPr>
             <a:r>
-              <a:rPr lang="en-US" sz="1800" b="1" dirty="0" smtClean="0">
+              <a:rPr lang="en-US" sz="1800" b="1" dirty="0">
                 <a:solidFill>
                   <a:schemeClr val="accent6"/>
                 </a:solidFill>
@@ -15629,13 +15087,6 @@
               </a:rPr>
               <a:t>// contains parameters that should not be released</a:t>
             </a:r>
-            <a:endParaRPr lang="en-US" sz="1800" b="1" dirty="0">
-              <a:solidFill>
-                <a:schemeClr val="accent6"/>
-              </a:solidFill>
-              <a:latin typeface="Lucida Console" panose="020B0609040504020204" pitchFamily="49" charset="0"/>
-              <a:cs typeface="Courier New" panose="02070309020205020404" pitchFamily="49" charset="0"/>
-            </a:endParaRPr>
           </a:p>
           <a:p>
             <a:pPr marL="457200" lvl="1" indent="0">
@@ -15646,24 +15097,17 @@
                 <a:latin typeface="Lucida Console" panose="020B0609040504020204" pitchFamily="49" charset="0"/>
                 <a:cs typeface="Courier New" panose="02070309020205020404" pitchFamily="49" charset="0"/>
               </a:rPr>
-              <a:t>u</a:t>
-            </a:r>
-            <a:r>
-              <a:rPr lang="en-US" sz="1800" dirty="0" smtClean="0">
-                <a:latin typeface="Lucida Console" panose="020B0609040504020204" pitchFamily="49" charset="0"/>
-                <a:cs typeface="Courier New" panose="02070309020205020404" pitchFamily="49" charset="0"/>
-              </a:rPr>
-              <a:t>se “$</a:t>
-            </a:r>
-            <a:r>
-              <a:rPr lang="en-US" sz="1800" dirty="0" err="1" smtClean="0">
+              <a:t>use “$</a:t>
+            </a:r>
+            <a:r>
+              <a:rPr lang="en-US" sz="1800" dirty="0" err="1">
                 <a:latin typeface="Lucida Console" panose="020B0609040504020204" pitchFamily="49" charset="0"/>
                 <a:cs typeface="Courier New" panose="02070309020205020404" pitchFamily="49" charset="0"/>
               </a:rPr>
               <a:t>confdata</a:t>
             </a:r>
             <a:r>
-              <a:rPr lang="en-US" sz="1800" dirty="0" smtClean="0">
+              <a:rPr lang="en-US" sz="1800" dirty="0">
                 <a:latin typeface="Lucida Console" panose="020B0609040504020204" pitchFamily="49" charset="0"/>
                 <a:cs typeface="Courier New" panose="02070309020205020404" pitchFamily="49" charset="0"/>
               </a:rPr>
@@ -15675,7 +15119,7 @@
               <a:buNone/>
             </a:pPr>
             <a:r>
-              <a:rPr lang="en-US" sz="1800" b="1" dirty="0" smtClean="0">
+              <a:rPr lang="en-US" sz="1800" b="1" dirty="0">
                 <a:solidFill>
                   <a:srgbClr val="FF0000"/>
                 </a:solidFill>
@@ -15690,7 +15134,7 @@
               <a:buNone/>
             </a:pPr>
             <a:r>
-              <a:rPr lang="en-US" sz="1800" b="1" dirty="0" smtClean="0">
+              <a:rPr lang="en-US" sz="1800" b="1" dirty="0">
                 <a:solidFill>
                   <a:srgbClr val="FF0000"/>
                 </a:solidFill>
@@ -15700,7 +15144,7 @@
               <a:t>	keep if </a:t>
             </a:r>
             <a:r>
-              <a:rPr lang="en-US" sz="1800" b="1" dirty="0" err="1" smtClean="0">
+              <a:rPr lang="en-US" sz="1800" b="1" dirty="0" err="1">
                 <a:solidFill>
                   <a:srgbClr val="FF0000"/>
                 </a:solidFill>
@@ -15710,7 +15154,7 @@
               <a:t>sample_id</a:t>
             </a:r>
             <a:r>
-              <a:rPr lang="en-US" sz="1800" b="1" dirty="0" smtClean="0">
+              <a:rPr lang="en-US" sz="1800" b="1" dirty="0">
                 <a:solidFill>
                   <a:srgbClr val="FF0000"/>
                 </a:solidFill>
@@ -15720,7 +15164,7 @@
               <a:t> == </a:t>
             </a:r>
             <a:r>
-              <a:rPr lang="en-US" sz="1800" b="1" dirty="0" smtClean="0">
+              <a:rPr lang="en-US" sz="1800" b="1" dirty="0">
                 <a:solidFill>
                   <a:schemeClr val="accent6">
                     <a:lumMod val="75000"/>
@@ -15732,7 +15176,7 @@
               <a:t>$</a:t>
             </a:r>
             <a:r>
-              <a:rPr lang="en-US" sz="1800" b="1" dirty="0" err="1" smtClean="0">
+              <a:rPr lang="en-US" sz="1800" b="1" dirty="0" err="1">
                 <a:solidFill>
                   <a:schemeClr val="accent6">
                     <a:lumMod val="75000"/>
@@ -15743,7 +15187,7 @@
               </a:rPr>
               <a:t>confsampleid</a:t>
             </a:r>
-            <a:endParaRPr lang="en-US" sz="1800" b="1" dirty="0" smtClean="0">
+            <a:endParaRPr lang="en-US" sz="1800" b="1" dirty="0">
               <a:solidFill>
                 <a:schemeClr val="accent6">
                   <a:lumMod val="75000"/>
@@ -15758,7 +15202,7 @@
               <a:buNone/>
             </a:pPr>
             <a:r>
-              <a:rPr lang="en-US" sz="1800" b="1" dirty="0" smtClean="0">
+              <a:rPr lang="en-US" sz="1800" b="1" dirty="0">
                 <a:solidFill>
                   <a:srgbClr val="FF0000"/>
                 </a:solidFill>
@@ -15777,16 +15221,9 @@
                 <a:latin typeface="Lucida Console" panose="020B0609040504020204" pitchFamily="49" charset="0"/>
                 <a:cs typeface="Courier New" panose="02070309020205020404" pitchFamily="49" charset="0"/>
               </a:rPr>
-              <a:t>p</a:t>
-            </a:r>
-            <a:r>
-              <a:rPr lang="en-US" sz="1800" dirty="0" err="1" smtClean="0">
-                <a:latin typeface="Lucida Console" panose="020B0609040504020204" pitchFamily="49" charset="0"/>
-                <a:cs typeface="Courier New" panose="02070309020205020404" pitchFamily="49" charset="0"/>
-              </a:rPr>
-              <a:t>rocess_stuff</a:t>
-            </a:r>
-            <a:endParaRPr lang="en-US" sz="1800" dirty="0" smtClean="0">
+              <a:t>process_stuff</a:t>
+            </a:r>
+            <a:endParaRPr lang="en-US" sz="1800" dirty="0">
               <a:latin typeface="Lucida Console" panose="020B0609040504020204" pitchFamily="49" charset="0"/>
               <a:cs typeface="Courier New" panose="02070309020205020404" pitchFamily="49" charset="0"/>
             </a:endParaRPr>
@@ -15803,20 +15240,10 @@
                 <a:latin typeface="Lucida Console" panose="020B0609040504020204" pitchFamily="49" charset="0"/>
                 <a:cs typeface="Courier New" panose="02070309020205020404" pitchFamily="49" charset="0"/>
               </a:rPr>
-              <a:t>g</a:t>
-            </a:r>
-            <a:r>
-              <a:rPr lang="en-US" sz="1800" b="1" dirty="0" smtClean="0">
-                <a:solidFill>
-                  <a:srgbClr val="FF0000"/>
-                </a:solidFill>
-                <a:latin typeface="Lucida Console" panose="020B0609040504020204" pitchFamily="49" charset="0"/>
-                <a:cs typeface="Courier New" panose="02070309020205020404" pitchFamily="49" charset="0"/>
-              </a:rPr>
-              <a:t>en </a:t>
-            </a:r>
-            <a:r>
-              <a:rPr lang="en-US" sz="1800" b="1" dirty="0" err="1" smtClean="0">
+              <a:t>gen </a:t>
+            </a:r>
+            <a:r>
+              <a:rPr lang="en-US" sz="1800" b="1" dirty="0" err="1">
                 <a:solidFill>
                   <a:srgbClr val="FF0000"/>
                 </a:solidFill>
@@ -15826,7 +15253,7 @@
               <a:t>flagkeep</a:t>
             </a:r>
             <a:r>
-              <a:rPr lang="en-US" sz="1800" b="1" dirty="0" smtClean="0">
+              <a:rPr lang="en-US" sz="1800" b="1" dirty="0">
                 <a:solidFill>
                   <a:srgbClr val="FF0000"/>
                 </a:solidFill>
@@ -15836,7 +15263,7 @@
               <a:t>  ( </a:t>
             </a:r>
             <a:r>
-              <a:rPr lang="en-US" sz="1800" b="1" dirty="0" err="1" smtClean="0">
+              <a:rPr lang="en-US" sz="1800" b="1" dirty="0" err="1">
                 <a:solidFill>
                   <a:srgbClr val="FF0000"/>
                 </a:solidFill>
@@ -15846,7 +15273,7 @@
               <a:t>cellsize</a:t>
             </a:r>
             <a:r>
-              <a:rPr lang="en-US" sz="1800" b="1" dirty="0" smtClean="0">
+              <a:rPr lang="en-US" sz="1800" b="1" dirty="0">
                 <a:solidFill>
                   <a:srgbClr val="FF0000"/>
                 </a:solidFill>
@@ -15856,7 +15283,7 @@
               <a:t> &gt; </a:t>
             </a:r>
             <a:r>
-              <a:rPr lang="en-US" sz="1800" b="1" dirty="0" smtClean="0">
+              <a:rPr lang="en-US" sz="1800" b="1" dirty="0">
                 <a:solidFill>
                   <a:schemeClr val="accent6">
                     <a:lumMod val="75000"/>
@@ -15868,7 +15295,7 @@
               <a:t>$</a:t>
             </a:r>
             <a:r>
-              <a:rPr lang="en-US" sz="1800" b="1" dirty="0" err="1" smtClean="0">
+              <a:rPr lang="en-US" sz="1800" b="1" dirty="0" err="1">
                 <a:solidFill>
                   <a:schemeClr val="accent6">
                     <a:lumMod val="75000"/>
@@ -15880,7 +15307,7 @@
               <a:t>mincell</a:t>
             </a:r>
             <a:r>
-              <a:rPr lang="en-US" sz="1800" b="1" dirty="0" smtClean="0">
+              <a:rPr lang="en-US" sz="1800" b="1" dirty="0">
                 <a:solidFill>
                   <a:schemeClr val="accent6">
                     <a:lumMod val="75000"/>
@@ -15892,7 +15319,7 @@
               <a:t> </a:t>
             </a:r>
             <a:r>
-              <a:rPr lang="en-US" sz="1800" b="1" dirty="0" smtClean="0">
+              <a:rPr lang="en-US" sz="1800" b="1" dirty="0">
                 <a:solidFill>
                   <a:srgbClr val="FF0000"/>
                 </a:solidFill>
@@ -15907,7 +15334,7 @@
               <a:buNone/>
             </a:pPr>
             <a:r>
-              <a:rPr lang="en-US" sz="1800" b="1" dirty="0" smtClean="0">
+              <a:rPr lang="en-US" sz="1800" b="1" dirty="0">
                 <a:solidFill>
                   <a:srgbClr val="FF0000"/>
                 </a:solidFill>
@@ -15917,7 +15344,7 @@
               <a:t>save “$intermediate/step2-conf.dta”, replace </a:t>
             </a:r>
             <a:r>
-              <a:rPr lang="en-US" sz="1800" b="1" dirty="0" smtClean="0">
+              <a:rPr lang="en-US" sz="1800" b="1" dirty="0">
                 <a:solidFill>
                   <a:schemeClr val="accent6">
                     <a:lumMod val="75000"/>
@@ -15934,7 +15361,7 @@
               <a:buNone/>
             </a:pPr>
             <a:r>
-              <a:rPr lang="en-US" sz="1800" b="1" dirty="0" smtClean="0">
+              <a:rPr lang="en-US" sz="1800" b="1" dirty="0">
                 <a:solidFill>
                   <a:srgbClr val="FF0000"/>
                 </a:solidFill>
@@ -15944,7 +15371,7 @@
               <a:t>drop if </a:t>
             </a:r>
             <a:r>
-              <a:rPr lang="en-US" sz="1800" b="1" dirty="0" err="1" smtClean="0">
+              <a:rPr lang="en-US" sz="1800" b="1" dirty="0" err="1">
                 <a:solidFill>
                   <a:srgbClr val="FF0000"/>
                 </a:solidFill>
@@ -15954,7 +15381,7 @@
               <a:t>flagkeep</a:t>
             </a:r>
             <a:r>
-              <a:rPr lang="en-US" sz="1800" b="1" dirty="0" smtClean="0">
+              <a:rPr lang="en-US" sz="1800" b="1" dirty="0">
                 <a:solidFill>
                   <a:srgbClr val="FF0000"/>
                 </a:solidFill>
@@ -15969,7 +15396,7 @@
               <a:buNone/>
             </a:pPr>
             <a:r>
-              <a:rPr lang="en-US" sz="1800" b="1" dirty="0" smtClean="0">
+              <a:rPr lang="en-US" sz="1800" b="1" dirty="0">
                 <a:solidFill>
                   <a:schemeClr val="accent1">
                     <a:lumMod val="75000"/>
@@ -15981,7 +15408,7 @@
               <a:t>label data “Created $</a:t>
             </a:r>
             <a:r>
-              <a:rPr lang="en-US" sz="1800" b="1" dirty="0" err="1" smtClean="0">
+              <a:rPr lang="en-US" sz="1800" b="1" dirty="0" err="1">
                 <a:solidFill>
                   <a:schemeClr val="accent1">
                     <a:lumMod val="75000"/>
@@ -15993,7 +15420,7 @@
               <a:t>rundate</a:t>
             </a:r>
             <a:r>
-              <a:rPr lang="en-US" sz="1800" b="1" dirty="0" smtClean="0">
+              <a:rPr lang="en-US" sz="1800" b="1" dirty="0">
                 <a:solidFill>
                   <a:schemeClr val="accent1">
                     <a:lumMod val="75000"/>
@@ -16017,17 +15444,7 @@
                 <a:latin typeface="Lucida Console" panose="020B0609040504020204" pitchFamily="49" charset="0"/>
                 <a:cs typeface="Courier New" panose="02070309020205020404" pitchFamily="49" charset="0"/>
               </a:rPr>
-              <a:t>s</a:t>
-            </a:r>
-            <a:r>
-              <a:rPr lang="en-US" sz="1800" b="1" dirty="0" smtClean="0">
-                <a:solidFill>
-                  <a:srgbClr val="FF0000"/>
-                </a:solidFill>
-                <a:latin typeface="Lucida Console" panose="020B0609040504020204" pitchFamily="49" charset="0"/>
-                <a:cs typeface="Courier New" panose="02070309020205020404" pitchFamily="49" charset="0"/>
-              </a:rPr>
-              <a:t>ave “$outputs/step2-releasable.dta”, replace</a:t>
+              <a:t>save “$outputs/step2-releasable.dta”, replace</a:t>
             </a:r>
           </a:p>
           <a:p>
@@ -16051,13 +15468,6 @@
   <p:clrMapOvr>
     <a:masterClrMapping/>
   </p:clrMapOvr>
-  <p:timing>
-    <p:tnLst>
-      <p:par>
-        <p:cTn id="1" dur="indefinite" restart="never" nodeType="tmRoot"/>
-      </p:par>
-    </p:tnLst>
-  </p:timing>
 </p:sld>
 </file>
 
@@ -16149,17 +15559,16 @@
           </a:p>
           <a:p>
             <a:r>
-              <a:rPr lang="en-US" b="1" dirty="0" smtClean="0"/>
+              <a:rPr lang="en-US" b="1" dirty="0"/>
               <a:t>Document critical steps of the process and include automation</a:t>
             </a:r>
           </a:p>
           <a:p>
             <a:pPr lvl="1"/>
             <a:r>
-              <a:rPr lang="en-US" dirty="0" smtClean="0"/>
+              <a:rPr lang="en-US" dirty="0"/>
               <a:t>Once you are ready to release final product, you may need to run through the whole code again!</a:t>
             </a:r>
-            <a:endParaRPr lang="en-US" dirty="0"/>
           </a:p>
           <a:p>
             <a:endParaRPr lang="en-US" b="1" dirty="0"/>
@@ -16542,7 +15951,7 @@
           <a:p>
             <a:pPr algn="ctr"/>
             <a:r>
-              <a:rPr lang="en-US" sz="8800" dirty="0" smtClean="0">
+              <a:rPr lang="en-US" sz="8800" dirty="0">
                 <a:solidFill>
                   <a:schemeClr val="bg1"/>
                 </a:solidFill>
@@ -16567,21 +15976,6 @@
   <p:clrMapOvr>
     <a:masterClrMapping/>
   </p:clrMapOvr>
-  <mc:AlternateContent xmlns:mc="http://schemas.openxmlformats.org/markup-compatibility/2006" xmlns:p14="http://schemas.microsoft.com/office/powerpoint/2010/main">
-    <mc:Choice Requires="p14">
-      <p:transition spd="slow" p14:dur="2000"/>
-    </mc:Choice>
-    <mc:Fallback xmlns="">
-      <p:transition spd="slow"/>
-    </mc:Fallback>
-  </mc:AlternateContent>
-  <p:timing>
-    <p:tnLst>
-      <p:par>
-        <p:cTn id="1" dur="indefinite" restart="never" nodeType="tmRoot"/>
-      </p:par>
-    </p:tnLst>
-  </p:timing>
 </p:sld>
 </file>
 
@@ -16618,10 +16012,9 @@
           <a:lstStyle/>
           <a:p>
             <a:r>
-              <a:rPr lang="en-US" smtClean="0"/>
+              <a:rPr lang="en-US"/>
               <a:t>coming</a:t>
             </a:r>
-            <a:endParaRPr lang="en-US"/>
           </a:p>
         </p:txBody>
       </p:sp>
@@ -16654,13 +16047,6 @@
   <p:clrMapOvr>
     <a:masterClrMapping/>
   </p:clrMapOvr>
-  <p:timing>
-    <p:tnLst>
-      <p:par>
-        <p:cTn id="1" dur="indefinite" restart="never" nodeType="tmRoot"/>
-      </p:par>
-    </p:tnLst>
-  </p:timing>
 </p:sld>
 </file>
 
@@ -16751,7 +16137,7 @@
           <a:p>
             <a:pPr algn="ctr"/>
             <a:r>
-              <a:rPr lang="en-US" sz="8800" dirty="0" smtClean="0">
+              <a:rPr lang="en-US" sz="8800" dirty="0">
                 <a:solidFill>
                   <a:schemeClr val="bg1"/>
                 </a:solidFill>
@@ -16776,21 +16162,6 @@
   <p:clrMapOvr>
     <a:masterClrMapping/>
   </p:clrMapOvr>
-  <mc:AlternateContent xmlns:mc="http://schemas.openxmlformats.org/markup-compatibility/2006" xmlns:p14="http://schemas.microsoft.com/office/powerpoint/2010/main">
-    <mc:Choice Requires="p14">
-      <p:transition spd="slow" p14:dur="2000"/>
-    </mc:Choice>
-    <mc:Fallback xmlns="">
-      <p:transition spd="slow"/>
-    </mc:Fallback>
-  </mc:AlternateContent>
-  <p:timing>
-    <p:tnLst>
-      <p:par>
-        <p:cTn id="1" dur="indefinite" restart="never" nodeType="tmRoot"/>
-      </p:par>
-    </p:tnLst>
-  </p:timing>
 </p:sld>
 </file>
 
@@ -16864,21 +16235,6 @@
   <p:clrMapOvr>
     <a:masterClrMapping/>
   </p:clrMapOvr>
-  <mc:AlternateContent xmlns:mc="http://schemas.openxmlformats.org/markup-compatibility/2006" xmlns:p14="http://schemas.microsoft.com/office/powerpoint/2010/main">
-    <mc:Choice Requires="p14">
-      <p:transition spd="slow" p14:dur="2000"/>
-    </mc:Choice>
-    <mc:Fallback xmlns="">
-      <p:transition spd="slow"/>
-    </mc:Fallback>
-  </mc:AlternateContent>
-  <p:timing>
-    <p:tnLst>
-      <p:par>
-        <p:cTn id="1" dur="indefinite" restart="never" nodeType="tmRoot"/>
-      </p:par>
-    </p:tnLst>
-  </p:timing>
 </p:sld>
 </file>
 
@@ -16993,7 +16349,7 @@
           <a:p>
             <a:r>
               <a:rPr lang="en-US" dirty="0"/>
-              <a:t>Consider how the next person will (be able) to compute</a:t>
+              <a:t>Consider how the next person will (be able to) compute</a:t>
             </a:r>
           </a:p>
           <a:p>
@@ -17054,13 +16410,8 @@
           <a:p>
             <a:r>
               <a:rPr lang="en-US" dirty="0"/>
-              <a:t>Don’t force them to do </a:t>
-            </a:r>
-            <a:r>
-              <a:rPr lang="en-US"/>
-              <a:t>tedious things</a:t>
-            </a:r>
-            <a:endParaRPr lang="en-US" dirty="0"/>
+              <a:t>Don’t force them to do tedious things</a:t>
+            </a:r>
           </a:p>
         </p:txBody>
       </p:sp>
@@ -17123,13 +16474,6 @@
   <p:clrMapOvr>
     <a:masterClrMapping/>
   </p:clrMapOvr>
-  <p:timing>
-    <p:tnLst>
-      <p:par>
-        <p:cTn id="1" dur="indefinite" restart="never" nodeType="tmRoot"/>
-      </p:par>
-    </p:tnLst>
-  </p:timing>
 </p:sld>
 </file>
 
@@ -17309,13 +16653,6 @@
   <p:clrMapOvr>
     <a:masterClrMapping/>
   </p:clrMapOvr>
-  <p:timing>
-    <p:tnLst>
-      <p:par>
-        <p:cTn id="1" dur="indefinite" restart="never" nodeType="tmRoot"/>
-      </p:par>
-    </p:tnLst>
-  </p:timing>
 </p:sld>
 </file>
 
@@ -17352,10 +16689,9 @@
           <a:lstStyle/>
           <a:p>
             <a:r>
-              <a:rPr lang="en-US" dirty="0" smtClean="0"/>
+              <a:rPr lang="en-US" dirty="0"/>
               <a:t>Some tips from the “frequently gotten wrong” bin</a:t>
             </a:r>
-            <a:endParaRPr lang="en-US" dirty="0"/>
           </a:p>
         </p:txBody>
       </p:sp>
@@ -17375,30 +16711,30 @@
           <a:lstStyle/>
           <a:p>
             <a:r>
-              <a:rPr lang="en-US" dirty="0" smtClean="0"/>
+              <a:rPr lang="en-US" dirty="0"/>
               <a:t>Set the project directory </a:t>
             </a:r>
             <a:r>
-              <a:rPr lang="en-US" b="1" u="sng" dirty="0" smtClean="0"/>
+              <a:rPr lang="en-US" b="1" u="sng" dirty="0"/>
               <a:t>ONCE</a:t>
             </a:r>
             <a:r>
-              <a:rPr lang="en-US" dirty="0" smtClean="0"/>
+              <a:rPr lang="en-US" dirty="0"/>
               <a:t> in code, or </a:t>
             </a:r>
             <a:r>
-              <a:rPr lang="en-US" b="1" u="sng" dirty="0" smtClean="0"/>
+              <a:rPr lang="en-US" b="1" u="sng" dirty="0"/>
               <a:t>NEVER</a:t>
             </a:r>
             <a:r>
-              <a:rPr lang="en-US" dirty="0" smtClean="0"/>
+              <a:rPr lang="en-US" dirty="0"/>
               <a:t> </a:t>
             </a:r>
             <a:br>
-              <a:rPr lang="en-US" dirty="0" smtClean="0"/>
+              <a:rPr lang="en-US" dirty="0"/>
             </a:br>
             <a:r>
-              <a:rPr lang="en-US" sz="2000" dirty="0" smtClean="0">
+              <a:rPr lang="en-US" sz="2000" dirty="0">
                 <a:solidFill>
                   <a:schemeClr val="accent1"/>
                 </a:solidFill>
@@ -17406,7 +16742,7 @@
               <a:t>(Stata, </a:t>
             </a:r>
             <a:r>
-              <a:rPr lang="en-US" sz="2000" dirty="0" smtClean="0">
+              <a:rPr lang="en-US" sz="2000" dirty="0">
                 <a:solidFill>
                   <a:schemeClr val="accent2"/>
                 </a:solidFill>
@@ -17414,7 +16750,7 @@
               <a:t>R</a:t>
             </a:r>
             <a:r>
-              <a:rPr lang="en-US" sz="2000" dirty="0" smtClean="0">
+              <a:rPr lang="en-US" sz="2000" dirty="0">
                 <a:solidFill>
                   <a:schemeClr val="accent1"/>
                 </a:solidFill>
@@ -17422,7 +16758,7 @@
               <a:t>, </a:t>
             </a:r>
             <a:r>
-              <a:rPr lang="en-US" sz="2000" dirty="0" smtClean="0">
+              <a:rPr lang="en-US" sz="2000" dirty="0">
                 <a:solidFill>
                   <a:schemeClr val="accent6"/>
                 </a:solidFill>
@@ -17430,7 +16766,7 @@
               <a:t>Python</a:t>
             </a:r>
             <a:r>
-              <a:rPr lang="en-US" sz="2000" dirty="0" smtClean="0">
+              <a:rPr lang="en-US" sz="2000" dirty="0">
                 <a:solidFill>
                   <a:schemeClr val="accent1"/>
                 </a:solidFill>
@@ -17440,31 +16776,31 @@
           </a:p>
           <a:p>
             <a:r>
-              <a:rPr lang="en-US" dirty="0" smtClean="0"/>
+              <a:rPr lang="en-US" dirty="0"/>
               <a:t>Use </a:t>
             </a:r>
             <a:r>
-              <a:rPr lang="en-US" b="1" u="sng" dirty="0" smtClean="0"/>
+              <a:rPr lang="en-US" b="1" u="sng" dirty="0"/>
               <a:t>placeholders</a:t>
             </a:r>
             <a:r>
-              <a:rPr lang="en-US" dirty="0" smtClean="0"/>
+              <a:rPr lang="en-US" dirty="0"/>
               <a:t> (</a:t>
             </a:r>
             <a:r>
-              <a:rPr lang="en-US" dirty="0" err="1" smtClean="0"/>
+              <a:rPr lang="en-US" dirty="0" err="1"/>
               <a:t>globals</a:t>
             </a:r>
             <a:r>
-              <a:rPr lang="en-US" dirty="0" smtClean="0"/>
+              <a:rPr lang="en-US" dirty="0"/>
               <a:t>, </a:t>
             </a:r>
             <a:r>
-              <a:rPr lang="en-US" dirty="0" err="1" smtClean="0"/>
+              <a:rPr lang="en-US" dirty="0" err="1"/>
               <a:t>libnames</a:t>
             </a:r>
             <a:r>
-              <a:rPr lang="en-US" dirty="0" smtClean="0"/>
+              <a:rPr lang="en-US" dirty="0"/>
               <a:t>, etc.) for common locations ($CONFDATA, $TABLES, $CODE) </a:t>
             </a:r>
             <a:r>
@@ -17492,7 +16828,7 @@
               <a:t>, </a:t>
             </a:r>
             <a:r>
-              <a:rPr lang="en-US" sz="1800" dirty="0" smtClean="0">
+              <a:rPr lang="en-US" sz="1800" dirty="0">
                 <a:solidFill>
                   <a:schemeClr val="accent6"/>
                 </a:solidFill>
@@ -17500,7 +16836,7 @@
               <a:t>Python, </a:t>
             </a:r>
             <a:r>
-              <a:rPr lang="en-US" sz="1800" dirty="0" smtClean="0">
+              <a:rPr lang="en-US" sz="1800" dirty="0">
                 <a:solidFill>
                   <a:schemeClr val="accent4"/>
                 </a:solidFill>
@@ -17508,26 +16844,21 @@
               <a:t>SAS</a:t>
             </a:r>
             <a:r>
-              <a:rPr lang="en-US" sz="1800" dirty="0" smtClean="0">
+              <a:rPr lang="en-US" sz="1800" dirty="0">
                 <a:solidFill>
                   <a:schemeClr val="accent1"/>
                 </a:solidFill>
               </a:rPr>
               <a:t>)</a:t>
             </a:r>
-            <a:endParaRPr lang="en-US" sz="1800" dirty="0">
-              <a:solidFill>
-                <a:schemeClr val="accent1"/>
-              </a:solidFill>
-            </a:endParaRPr>
-          </a:p>
-          <a:p>
-            <a:r>
-              <a:rPr lang="en-US" b="1" u="sng" dirty="0" smtClean="0"/>
+          </a:p>
+          <a:p>
+            <a:r>
+              <a:rPr lang="en-US" b="1" u="sng" dirty="0"/>
               <a:t>Write out all tables, figures</a:t>
             </a:r>
             <a:r>
-              <a:rPr lang="en-US" dirty="0" smtClean="0"/>
+              <a:rPr lang="en-US" dirty="0"/>
               <a:t>, and in-text numbers into separate files</a:t>
             </a:r>
           </a:p>
@@ -17555,11 +16886,11 @@
               <a:buNone/>
             </a:pPr>
             <a:r>
-              <a:rPr lang="en-US" dirty="0" smtClean="0"/>
+              <a:rPr lang="en-US" dirty="0"/>
               <a:t>If you need to </a:t>
             </a:r>
             <a:r>
-              <a:rPr lang="en-US" dirty="0" smtClean="0">
+              <a:rPr lang="en-US" dirty="0">
                 <a:solidFill>
                   <a:srgbClr val="FF0000"/>
                 </a:solidFill>
@@ -17567,17 +16898,17 @@
               <a:t>manually</a:t>
             </a:r>
             <a:r>
-              <a:rPr lang="en-US" dirty="0" smtClean="0"/>
+              <a:rPr lang="en-US" dirty="0"/>
               <a:t> modify the code to obtain a series of tables/figures/columns, you’re doing something wrong:</a:t>
             </a:r>
           </a:p>
           <a:p>
             <a:r>
-              <a:rPr lang="en-US" dirty="0" smtClean="0"/>
+              <a:rPr lang="en-US" dirty="0"/>
               <a:t>Use </a:t>
             </a:r>
             <a:r>
-              <a:rPr lang="en-US" b="1" dirty="0" smtClean="0">
+              <a:rPr lang="en-US" b="1" dirty="0">
                 <a:solidFill>
                   <a:schemeClr val="accent2"/>
                 </a:solidFill>
@@ -17585,11 +16916,11 @@
               <a:t>functions</a:t>
             </a:r>
             <a:r>
-              <a:rPr lang="en-US" b="1" dirty="0" smtClean="0"/>
+              <a:rPr lang="en-US" b="1" dirty="0"/>
               <a:t>, </a:t>
             </a:r>
             <a:r>
-              <a:rPr lang="en-US" b="1" dirty="0" smtClean="0">
+              <a:rPr lang="en-US" b="1" dirty="0">
                 <a:solidFill>
                   <a:schemeClr val="accent1"/>
                 </a:solidFill>
@@ -17597,11 +16928,11 @@
               <a:t>ado files, programs</a:t>
             </a:r>
             <a:r>
-              <a:rPr lang="en-US" b="1" dirty="0" smtClean="0"/>
+              <a:rPr lang="en-US" b="1" dirty="0"/>
               <a:t>, </a:t>
             </a:r>
             <a:r>
-              <a:rPr lang="en-US" b="1" dirty="0" smtClean="0">
+              <a:rPr lang="en-US" b="1" dirty="0">
                 <a:solidFill>
                   <a:schemeClr val="accent4"/>
                 </a:solidFill>
@@ -17609,11 +16940,11 @@
               <a:t>macros</a:t>
             </a:r>
             <a:r>
-              <a:rPr lang="en-US" b="1" dirty="0" smtClean="0"/>
+              <a:rPr lang="en-US" b="1" dirty="0"/>
               <a:t>, </a:t>
             </a:r>
             <a:r>
-              <a:rPr lang="en-US" b="1" dirty="0" smtClean="0">
+              <a:rPr lang="en-US" b="1" dirty="0">
                 <a:solidFill>
                   <a:schemeClr val="accent6"/>
                 </a:solidFill>
@@ -17623,18 +16954,17 @@
           </a:p>
           <a:p>
             <a:r>
-              <a:rPr lang="en-US" dirty="0" smtClean="0"/>
+              <a:rPr lang="en-US" dirty="0"/>
               <a:t>Use </a:t>
             </a:r>
             <a:r>
-              <a:rPr lang="en-US" b="1" dirty="0" smtClean="0"/>
+              <a:rPr lang="en-US" b="1" dirty="0"/>
               <a:t>loops, parameters, parameter files </a:t>
             </a:r>
             <a:r>
-              <a:rPr lang="en-US" dirty="0" smtClean="0"/>
+              <a:rPr lang="en-US" dirty="0"/>
               <a:t>to call those subroutines</a:t>
             </a:r>
-            <a:endParaRPr lang="en-US" dirty="0"/>
           </a:p>
         </p:txBody>
       </p:sp>
@@ -17648,13 +16978,6 @@
   <p:clrMapOvr>
     <a:masterClrMapping/>
   </p:clrMapOvr>
-  <p:timing>
-    <p:tnLst>
-      <p:par>
-        <p:cTn id="1" dur="indefinite" restart="never" nodeType="tmRoot"/>
-      </p:par>
-    </p:tnLst>
-  </p:timing>
 </p:sld>
 </file>
 
@@ -17716,51 +17039,42 @@
               <a:buNone/>
             </a:pPr>
             <a:r>
-              <a:rPr lang="en-US" dirty="0" smtClean="0"/>
+              <a:rPr lang="en-US" dirty="0"/>
               <a:t>Have “</a:t>
             </a:r>
             <a:r>
-              <a:rPr lang="en-US" b="1" u="sng" dirty="0" smtClean="0"/>
+              <a:rPr lang="en-US" b="1" u="sng" dirty="0"/>
               <a:t>computational empathy</a:t>
             </a:r>
             <a:r>
-              <a:rPr lang="en-US" dirty="0" smtClean="0"/>
+              <a:rPr lang="en-US" dirty="0"/>
               <a:t>”</a:t>
             </a:r>
           </a:p>
           <a:p>
             <a:r>
-              <a:rPr lang="en-US" dirty="0" smtClean="0"/>
-              <a:t>Consider cross-platform </a:t>
-            </a:r>
-            <a:r>
-              <a:rPr lang="en-US" dirty="0" err="1" smtClean="0"/>
-              <a:t>programmng</a:t>
-            </a:r>
-            <a:r>
-              <a:rPr lang="en-US" dirty="0" smtClean="0"/>
-              <a:t> practices</a:t>
-            </a:r>
-          </a:p>
-          <a:p>
-            <a:r>
-              <a:rPr lang="en-US" dirty="0" smtClean="0"/>
+              <a:rPr lang="en-US" dirty="0"/>
+              <a:t>Consider cross-platform programming practices</a:t>
+            </a:r>
+          </a:p>
+          <a:p>
+            <a:r>
+              <a:rPr lang="en-US" dirty="0"/>
               <a:t>Consider that the replicator can learn from the process</a:t>
             </a:r>
           </a:p>
           <a:p>
             <a:pPr lvl="1"/>
             <a:r>
-              <a:rPr lang="en-US" dirty="0" smtClean="0"/>
+              <a:rPr lang="en-US" dirty="0"/>
               <a:t>They probably don’t have the same knowledge</a:t>
             </a:r>
           </a:p>
           <a:p>
             <a:r>
-              <a:rPr lang="en-US" dirty="0" smtClean="0"/>
+              <a:rPr lang="en-US" dirty="0"/>
               <a:t>Consider that the replicator might not have the same modules/packages/etc.</a:t>
             </a:r>
-            <a:endParaRPr lang="en-US" dirty="0"/>
           </a:p>
         </p:txBody>
       </p:sp>
@@ -17779,18 +17093,18 @@
           <a:bodyPr/>
           <a:lstStyle/>
           <a:p>
-            <a:endParaRPr lang="en-US" dirty="0" smtClean="0"/>
-          </a:p>
-          <a:p>
-            <a:r>
-              <a:rPr lang="en-US" dirty="0" smtClean="0"/>
+            <a:endParaRPr lang="en-US" dirty="0"/>
+          </a:p>
+          <a:p>
+            <a:r>
+              <a:rPr lang="en-US" dirty="0"/>
               <a:t>Path and filenames:</a:t>
             </a:r>
           </a:p>
           <a:p>
             <a:pPr lvl="1"/>
             <a:r>
-              <a:rPr lang="en-US" dirty="0" smtClean="0">
+              <a:rPr lang="en-US" dirty="0">
                 <a:solidFill>
                   <a:schemeClr val="accent1"/>
                 </a:solidFill>
@@ -17798,14 +17112,14 @@
               <a:t>Stata: always use forward slashes, even on Windows</a:t>
             </a:r>
             <a:br>
-              <a:rPr lang="en-US" dirty="0" smtClean="0">
+              <a:rPr lang="en-US" dirty="0">
                 <a:solidFill>
                   <a:schemeClr val="accent1"/>
                 </a:solidFill>
               </a:rPr>
             </a:br>
             <a:r>
-              <a:rPr lang="en-US" sz="1800" b="1" dirty="0" smtClean="0">
+              <a:rPr lang="en-US" sz="1800" b="1" dirty="0">
                 <a:solidFill>
                   <a:schemeClr val="accent1"/>
                 </a:solidFill>
@@ -17815,7 +17129,7 @@
               <a:t>use “$data/path/</a:t>
             </a:r>
             <a:r>
-              <a:rPr lang="en-US" sz="1800" b="1" dirty="0" err="1" smtClean="0">
+              <a:rPr lang="en-US" sz="1800" b="1" dirty="0" err="1">
                 <a:solidFill>
                   <a:schemeClr val="accent1"/>
                 </a:solidFill>
@@ -17825,7 +17139,7 @@
               <a:t>data.dta</a:t>
             </a:r>
             <a:r>
-              <a:rPr lang="en-US" sz="1800" b="1" dirty="0" smtClean="0">
+              <a:rPr lang="en-US" sz="1800" b="1" dirty="0">
                 <a:solidFill>
                   <a:schemeClr val="accent1"/>
                 </a:solidFill>
@@ -17838,7 +17152,7 @@
           <a:p>
             <a:pPr lvl="1"/>
             <a:r>
-              <a:rPr lang="en-US" dirty="0" smtClean="0">
+              <a:rPr lang="en-US" dirty="0">
                 <a:solidFill>
                   <a:schemeClr val="accent2"/>
                 </a:solidFill>
@@ -17846,7 +17160,7 @@
               <a:t>R: use “</a:t>
             </a:r>
             <a:r>
-              <a:rPr lang="en-US" sz="2000" dirty="0" err="1" smtClean="0">
+              <a:rPr lang="en-US" sz="2000" dirty="0" err="1">
                 <a:solidFill>
                   <a:schemeClr val="accent2"/>
                 </a:solidFill>
@@ -17856,7 +17170,7 @@
               <a:t>file.path</a:t>
             </a:r>
             <a:r>
-              <a:rPr lang="en-US" sz="2000" dirty="0" smtClean="0">
+              <a:rPr lang="en-US" sz="2000" dirty="0">
                 <a:solidFill>
                   <a:schemeClr val="accent2"/>
                 </a:solidFill>
@@ -17866,7 +17180,7 @@
               <a:t>()</a:t>
             </a:r>
             <a:r>
-              <a:rPr lang="en-US" dirty="0" smtClean="0">
+              <a:rPr lang="en-US" dirty="0">
                 <a:solidFill>
                   <a:schemeClr val="accent2"/>
                 </a:solidFill>
@@ -17874,14 +17188,14 @@
               <a:t>”</a:t>
             </a:r>
             <a:br>
-              <a:rPr lang="en-US" dirty="0" smtClean="0">
+              <a:rPr lang="en-US" dirty="0">
                 <a:solidFill>
                   <a:schemeClr val="accent2"/>
                 </a:solidFill>
               </a:rPr>
             </a:br>
             <a:r>
-              <a:rPr lang="en-US" sz="1600" b="1" dirty="0" smtClean="0">
+              <a:rPr lang="en-US" sz="1600" b="1" dirty="0">
                 <a:solidFill>
                   <a:schemeClr val="accent2"/>
                 </a:solidFill>
@@ -17891,7 +17205,7 @@
               <a:t>x &lt;- read(</a:t>
             </a:r>
             <a:r>
-              <a:rPr lang="en-US" sz="1600" b="1" dirty="0" err="1" smtClean="0">
+              <a:rPr lang="en-US" sz="1600" b="1" dirty="0" err="1">
                 <a:solidFill>
                   <a:schemeClr val="accent2"/>
                 </a:solidFill>
@@ -17901,7 +17215,7 @@
               <a:t>file.path</a:t>
             </a:r>
             <a:r>
-              <a:rPr lang="en-US" sz="1600" b="1" dirty="0" smtClean="0">
+              <a:rPr lang="en-US" sz="1600" b="1" dirty="0">
                 <a:solidFill>
                   <a:schemeClr val="accent2"/>
                 </a:solidFill>
@@ -17911,7 +17225,7 @@
               <a:t>(data,”</a:t>
             </a:r>
             <a:r>
-              <a:rPr lang="en-US" sz="1600" b="1" dirty="0" err="1" smtClean="0">
+              <a:rPr lang="en-US" sz="1600" b="1" dirty="0" err="1">
                 <a:solidFill>
                   <a:schemeClr val="accent2"/>
                 </a:solidFill>
@@ -17921,7 +17235,7 @@
               <a:t>data.dta</a:t>
             </a:r>
             <a:r>
-              <a:rPr lang="en-US" sz="1600" b="1" dirty="0" smtClean="0">
+              <a:rPr lang="en-US" sz="1600" b="1" dirty="0">
                 <a:solidFill>
                   <a:schemeClr val="accent2"/>
                 </a:solidFill>
@@ -17934,7 +17248,7 @@
           <a:p>
             <a:pPr lvl="1"/>
             <a:r>
-              <a:rPr lang="en-US" dirty="0" smtClean="0">
+              <a:rPr lang="en-US" dirty="0">
                 <a:solidFill>
                   <a:schemeClr val="accent4"/>
                 </a:solidFill>
@@ -17942,7 +17256,7 @@
               <a:t>SAS: use </a:t>
             </a:r>
             <a:r>
-              <a:rPr lang="en-US" sz="2000" dirty="0" smtClean="0">
+              <a:rPr lang="en-US" sz="2000" dirty="0">
                 <a:solidFill>
                   <a:schemeClr val="accent4"/>
                 </a:solidFill>
@@ -17952,7 +17266,7 @@
               <a:t>filename</a:t>
             </a:r>
             <a:r>
-              <a:rPr lang="en-US" dirty="0" smtClean="0">
+              <a:rPr lang="en-US" dirty="0">
                 <a:solidFill>
                   <a:schemeClr val="accent4"/>
                 </a:solidFill>
@@ -17960,7 +17274,7 @@
               <a:t> and </a:t>
             </a:r>
             <a:r>
-              <a:rPr lang="en-US" sz="2000" dirty="0" err="1" smtClean="0">
+              <a:rPr lang="en-US" sz="2000" dirty="0" err="1">
                 <a:solidFill>
                   <a:schemeClr val="accent4"/>
                 </a:solidFill>
@@ -17970,7 +17284,7 @@
               <a:t>libname</a:t>
             </a:r>
             <a:r>
-              <a:rPr lang="en-US" dirty="0" smtClean="0">
+              <a:rPr lang="en-US" dirty="0">
                 <a:solidFill>
                   <a:schemeClr val="accent4"/>
                 </a:solidFill>
@@ -17978,14 +17292,14 @@
               <a:t> to abstract</a:t>
             </a:r>
             <a:br>
-              <a:rPr lang="en-US" dirty="0" smtClean="0">
+              <a:rPr lang="en-US" dirty="0">
                 <a:solidFill>
                   <a:schemeClr val="accent4"/>
                 </a:solidFill>
               </a:rPr>
             </a:br>
             <a:r>
-              <a:rPr lang="en-US" sz="2000" b="1" dirty="0" smtClean="0">
+              <a:rPr lang="en-US" sz="2000" b="1" dirty="0">
                 <a:solidFill>
                   <a:schemeClr val="accent4"/>
                 </a:solidFill>
@@ -17995,7 +17309,7 @@
               <a:t>data DATALIB.step1;</a:t>
             </a:r>
             <a:br>
-              <a:rPr lang="en-US" sz="2000" b="1" dirty="0" smtClean="0">
+              <a:rPr lang="en-US" sz="2000" b="1" dirty="0">
                 <a:solidFill>
                   <a:schemeClr val="accent4"/>
                 </a:solidFill>
@@ -18004,7 +17318,7 @@
               </a:rPr>
             </a:br>
             <a:r>
-              <a:rPr lang="en-US" sz="2000" b="1" dirty="0" smtClean="0">
+              <a:rPr lang="en-US" sz="2000" b="1" dirty="0">
                 <a:solidFill>
                   <a:schemeClr val="accent4"/>
                 </a:solidFill>
@@ -18037,13 +17351,6 @@
   <p:clrMapOvr>
     <a:masterClrMapping/>
   </p:clrMapOvr>
-  <p:timing>
-    <p:tnLst>
-      <p:par>
-        <p:cTn id="1" dur="indefinite" restart="never" nodeType="tmRoot"/>
-      </p:par>
-    </p:tnLst>
-  </p:timing>
 </p:sld>
 </file>
 

--- a/Vilhuber-Wasser-Day-of-Data-2021.pptx
+++ b/Vilhuber-Wasser-Day-of-Data-2021.pptx
@@ -243,7 +243,7 @@
           <a:p>
             <a:fld id="{49A8C565-F3BF-4A84-AE07-9A89EABD0C05}" type="datetimeFigureOut">
               <a:rPr lang="en-US" smtClean="0"/>
-              <a:t>1/28/2021</a:t>
+              <a:t>2021-01-28</a:t>
             </a:fld>
             <a:endParaRPr lang="en-US"/>
           </a:p>
@@ -723,7 +723,7 @@
           <a:p>
             <a:fld id="{D098DA53-2AE6-479B-901D-5117A0B269E4}" type="datetimeFigureOut">
               <a:rPr lang="en-US" smtClean="0"/>
-              <a:t>1/28/2021</a:t>
+              <a:t>2021-01-28</a:t>
             </a:fld>
             <a:endParaRPr lang="en-US"/>
           </a:p>
@@ -1072,7 +1072,7 @@
           <a:p>
             <a:fld id="{D098DA53-2AE6-479B-901D-5117A0B269E4}" type="datetimeFigureOut">
               <a:rPr lang="en-US" smtClean="0"/>
-              <a:t>1/28/2021</a:t>
+              <a:t>2021-01-28</a:t>
             </a:fld>
             <a:endParaRPr lang="en-US"/>
           </a:p>
@@ -1324,7 +1324,7 @@
           <a:p>
             <a:fld id="{D098DA53-2AE6-479B-901D-5117A0B269E4}" type="datetimeFigureOut">
               <a:rPr lang="en-US" smtClean="0"/>
-              <a:t>1/28/2021</a:t>
+              <a:t>2021-01-28</a:t>
             </a:fld>
             <a:endParaRPr lang="en-US"/>
           </a:p>
@@ -1492,7 +1492,7 @@
           <a:p>
             <a:fld id="{D098DA53-2AE6-479B-901D-5117A0B269E4}" type="datetimeFigureOut">
               <a:rPr lang="en-US" smtClean="0"/>
-              <a:t>1/28/2021</a:t>
+              <a:t>2021-01-28</a:t>
             </a:fld>
             <a:endParaRPr lang="en-US"/>
           </a:p>
@@ -1670,7 +1670,7 @@
           <a:p>
             <a:fld id="{D098DA53-2AE6-479B-901D-5117A0B269E4}" type="datetimeFigureOut">
               <a:rPr lang="en-US" smtClean="0"/>
-              <a:t>1/28/2021</a:t>
+              <a:t>2021-01-28</a:t>
             </a:fld>
             <a:endParaRPr lang="en-US"/>
           </a:p>
@@ -1873,7 +1873,7 @@
           <a:p>
             <a:fld id="{D098DA53-2AE6-479B-901D-5117A0B269E4}" type="datetimeFigureOut">
               <a:rPr lang="en-US" smtClean="0"/>
-              <a:t>1/28/2021</a:t>
+              <a:t>2021-01-28</a:t>
             </a:fld>
             <a:endParaRPr lang="en-US"/>
           </a:p>
@@ -2069,7 +2069,7 @@
           <a:p>
             <a:fld id="{D098DA53-2AE6-479B-901D-5117A0B269E4}" type="datetimeFigureOut">
               <a:rPr lang="en-US" smtClean="0"/>
-              <a:t>1/28/2021</a:t>
+              <a:t>2021-01-28</a:t>
             </a:fld>
             <a:endParaRPr lang="en-US"/>
           </a:p>
@@ -2331,7 +2331,7 @@
           <a:p>
             <a:fld id="{D098DA53-2AE6-479B-901D-5117A0B269E4}" type="datetimeFigureOut">
               <a:rPr lang="en-US" smtClean="0"/>
-              <a:t>1/28/2021</a:t>
+              <a:t>2021-01-28</a:t>
             </a:fld>
             <a:endParaRPr lang="en-US"/>
           </a:p>
@@ -2650,7 +2650,7 @@
           <a:p>
             <a:fld id="{D098DA53-2AE6-479B-901D-5117A0B269E4}" type="datetimeFigureOut">
               <a:rPr lang="en-US" smtClean="0"/>
-              <a:t>1/28/2021</a:t>
+              <a:t>2021-01-28</a:t>
             </a:fld>
             <a:endParaRPr lang="en-US"/>
           </a:p>
@@ -2958,7 +2958,7 @@
           <a:p>
             <a:fld id="{D098DA53-2AE6-479B-901D-5117A0B269E4}" type="datetimeFigureOut">
               <a:rPr lang="en-US" smtClean="0"/>
-              <a:t>1/28/2021</a:t>
+              <a:t>2021-01-28</a:t>
             </a:fld>
             <a:endParaRPr lang="en-US"/>
           </a:p>
@@ -3396,7 +3396,7 @@
           <a:p>
             <a:fld id="{D098DA53-2AE6-479B-901D-5117A0B269E4}" type="datetimeFigureOut">
               <a:rPr lang="en-US" smtClean="0"/>
-              <a:t>1/28/2021</a:t>
+              <a:t>2021-01-28</a:t>
             </a:fld>
             <a:endParaRPr lang="en-US"/>
           </a:p>
@@ -3587,7 +3587,7 @@
           <a:p>
             <a:fld id="{D098DA53-2AE6-479B-901D-5117A0B269E4}" type="datetimeFigureOut">
               <a:rPr lang="en-US" smtClean="0"/>
-              <a:t>1/28/2021</a:t>
+              <a:t>2021-01-28</a:t>
             </a:fld>
             <a:endParaRPr lang="en-US"/>
           </a:p>
@@ -3682,7 +3682,7 @@
           <a:p>
             <a:fld id="{D098DA53-2AE6-479B-901D-5117A0B269E4}" type="datetimeFigureOut">
               <a:rPr lang="en-US" smtClean="0"/>
-              <a:t>1/28/2021</a:t>
+              <a:t>2021-01-28</a:t>
             </a:fld>
             <a:endParaRPr lang="en-US"/>
           </a:p>
@@ -3893,7 +3893,7 @@
           <a:p>
             <a:fld id="{D098DA53-2AE6-479B-901D-5117A0B269E4}" type="datetimeFigureOut">
               <a:rPr lang="en-US" smtClean="0"/>
-              <a:t>1/28/2021</a:t>
+              <a:t>2021-01-28</a:t>
             </a:fld>
             <a:endParaRPr lang="en-US"/>
           </a:p>
@@ -16012,9 +16012,10 @@
           <a:lstStyle/>
           <a:p>
             <a:r>
-              <a:rPr lang="en-US"/>
-              <a:t>coming</a:t>
-            </a:r>
+              <a:rPr lang="en-US" dirty="0" smtClean="0"/>
+              <a:t>API + confidentiality</a:t>
+            </a:r>
+            <a:endParaRPr lang="en-US" dirty="0"/>
           </a:p>
         </p:txBody>
       </p:sp>
@@ -16033,6 +16034,28 @@
           <a:bodyPr/>
           <a:lstStyle/>
           <a:p>
+            <a:r>
+              <a:rPr lang="en-US">
+                <a:hlinkClick r:id="rId2"/>
+              </a:rPr>
+              <a:t>https</a:t>
+            </a:r>
+            <a:r>
+              <a:rPr lang="en-US">
+                <a:hlinkClick r:id="rId2"/>
+              </a:rPr>
+              <a:t>://</a:t>
+            </a:r>
+            <a:r>
+              <a:rPr lang="en-US" smtClean="0">
+                <a:hlinkClick r:id="rId2"/>
+              </a:rPr>
+              <a:t>labordynamicsinstitute.github.io/day-of-data-2021/safe-and-efficient.html</a:t>
+            </a:r>
+            <a:r>
+              <a:rPr lang="en-US" smtClean="0"/>
+              <a:t> </a:t>
+            </a:r>
             <a:endParaRPr lang="en-US"/>
           </a:p>
         </p:txBody>

--- a/Vilhuber-Wasser-Day-of-Data-2021.pptx
+++ b/Vilhuber-Wasser-Day-of-Data-2021.pptx
@@ -4287,6 +4287,20 @@
 <file path=ppt/slides/slide1.xml><?xml version="1.0" encoding="utf-8"?>
 <p:sld xmlns:a="http://schemas.openxmlformats.org/drawingml/2006/main" xmlns:r="http://schemas.openxmlformats.org/officeDocument/2006/relationships" xmlns:p="http://schemas.openxmlformats.org/presentationml/2006/main">
   <p:cSld>
+    <p:bg>
+      <p:bgPr>
+        <a:blipFill dpi="0" rotWithShape="1">
+          <a:blip r:embed="rId3">
+            <a:lum/>
+          </a:blip>
+          <a:srcRect/>
+          <a:stretch>
+            <a:fillRect/>
+          </a:stretch>
+        </a:blipFill>
+        <a:effectLst/>
+      </p:bgPr>
+    </p:bg>
     <p:spTree>
       <p:nvGrpSpPr>
         <p:cNvPr id="1" name=""/>
@@ -4313,9 +4327,14 @@
         </p:nvSpPr>
         <p:spPr>
           <a:xfrm>
-            <a:off x="1524000" y="1122363"/>
-            <a:ext cx="9144000" cy="3250350"/>
+            <a:off x="1524000" y="2946399"/>
+            <a:ext cx="9144000" cy="1426313"/>
           </a:xfrm>
+          <a:solidFill>
+            <a:schemeClr val="bg1">
+              <a:alpha val="77000"/>
+            </a:schemeClr>
+          </a:solidFill>
         </p:spPr>
         <p:txBody>
           <a:bodyPr>
@@ -4350,9 +4369,14 @@
         </p:nvSpPr>
         <p:spPr>
           <a:xfrm>
-            <a:off x="1524000" y="4531658"/>
+            <a:off x="1524000" y="4372713"/>
             <a:ext cx="9144000" cy="2141857"/>
           </a:xfrm>
+          <a:solidFill>
+            <a:schemeClr val="bg1">
+              <a:alpha val="62000"/>
+            </a:schemeClr>
+          </a:solidFill>
         </p:spPr>
         <p:txBody>
           <a:bodyPr>
@@ -4416,7 +4440,7 @@
           <p:nvPr/>
         </p:nvPicPr>
         <p:blipFill>
-          <a:blip r:embed="rId3">
+          <a:blip r:embed="rId4">
             <a:extLst>
               <a:ext uri="{28A0092B-C50C-407E-A947-70E740481C1C}">
                 <a14:useLocalDpi xmlns:a14="http://schemas.microsoft.com/office/drawing/2010/main" val="0"/>
@@ -4494,7 +4518,7 @@
           <p:nvPr/>
         </p:nvPicPr>
         <p:blipFill>
-          <a:blip r:embed="rId4">
+          <a:blip r:embed="rId5">
             <a:extLst>
               <a:ext uri="{28A0092B-C50C-407E-A947-70E740481C1C}">
                 <a14:useLocalDpi xmlns:a14="http://schemas.microsoft.com/office/drawing/2010/main" val="0"/>
@@ -4513,6 +4537,7 @@
           <a:prstGeom prst="rect">
             <a:avLst/>
           </a:prstGeom>
+          <a:noFill/>
         </p:spPr>
       </p:pic>
     </p:spTree>
@@ -16035,28 +16060,22 @@
           <a:lstStyle/>
           <a:p>
             <a:r>
-              <a:rPr lang="en-US">
+              <a:rPr lang="en-US" dirty="0">
                 <a:hlinkClick r:id="rId2"/>
               </a:rPr>
-              <a:t>https</a:t>
-            </a:r>
-            <a:r>
-              <a:rPr lang="en-US">
-                <a:hlinkClick r:id="rId2"/>
-              </a:rPr>
-              <a:t>://</a:t>
-            </a:r>
-            <a:r>
-              <a:rPr lang="en-US" smtClean="0">
+              <a:t>https://</a:t>
+            </a:r>
+            <a:r>
+              <a:rPr lang="en-US" dirty="0" smtClean="0">
                 <a:hlinkClick r:id="rId2"/>
               </a:rPr>
               <a:t>labordynamicsinstitute.github.io/day-of-data-2021/safe-and-efficient.html</a:t>
             </a:r>
             <a:r>
-              <a:rPr lang="en-US" smtClean="0"/>
+              <a:rPr lang="en-US" dirty="0" smtClean="0"/>
               <a:t> </a:t>
             </a:r>
-            <a:endParaRPr lang="en-US"/>
+            <a:endParaRPr lang="en-US" dirty="0"/>
           </a:p>
         </p:txBody>
       </p:sp>
